--- a/Documentação/Our_Last_Goodbye.pptx
+++ b/Documentação/Our_Last_Goodbye.pptx
@@ -14,9 +14,12 @@
     <p:sldId id="272" r:id="rId8"/>
     <p:sldId id="273" r:id="rId9"/>
     <p:sldId id="274" r:id="rId10"/>
-    <p:sldId id="275" r:id="rId11"/>
-    <p:sldId id="276" r:id="rId12"/>
-    <p:sldId id="278" r:id="rId13"/>
+    <p:sldId id="279" r:id="rId11"/>
+    <p:sldId id="280" r:id="rId12"/>
+    <p:sldId id="281" r:id="rId13"/>
+    <p:sldId id="275" r:id="rId14"/>
+    <p:sldId id="276" r:id="rId15"/>
+    <p:sldId id="278" r:id="rId16"/>
   </p:sldIdLst>
   <p:sldSz cx="12192000" cy="6858000"/>
   <p:notesSz cx="6858000" cy="9144000"/>
@@ -180,7 +183,7 @@
           <a:noFill/>
           <a:extLst>
             <a:ext uri="{909E8E84-426E-40dd-AFC4-6F175D3DCCD1}">
-              <a14:hiddenFill xmlns:a14="http://schemas.microsoft.com/office/drawing/2010/main" xmlns="">
+              <a14:hiddenFill xmlns="" xmlns:a14="http://schemas.microsoft.com/office/drawing/2010/main">
                 <a:solidFill>
                   <a:srgbClr val="FFFFFF"/>
                 </a:solidFill>
@@ -239,7 +242,7 @@
             </a:ln>
             <a:extLst>
               <a:ext uri="{91240B29-F687-4f45-9708-019B960494DF}">
-                <a14:hiddenLine xmlns:a14="http://schemas.microsoft.com/office/drawing/2010/main" xmlns="" w="9525">
+                <a14:hiddenLine xmlns="" xmlns:a14="http://schemas.microsoft.com/office/drawing/2010/main" w="9525">
                   <a:solidFill>
                     <a:srgbClr val="000000"/>
                   </a:solidFill>
@@ -329,7 +332,7 @@
             </a:ln>
             <a:extLst>
               <a:ext uri="{91240B29-F687-4f45-9708-019B960494DF}">
-                <a14:hiddenLine xmlns:a14="http://schemas.microsoft.com/office/drawing/2010/main" xmlns="" w="9525">
+                <a14:hiddenLine xmlns="" xmlns:a14="http://schemas.microsoft.com/office/drawing/2010/main" w="9525">
                   <a:solidFill>
                     <a:srgbClr val="000000"/>
                   </a:solidFill>
@@ -419,7 +422,7 @@
             </a:ln>
             <a:extLst>
               <a:ext uri="{91240B29-F687-4f45-9708-019B960494DF}">
-                <a14:hiddenLine xmlns:a14="http://schemas.microsoft.com/office/drawing/2010/main" xmlns="" w="9525">
+                <a14:hiddenLine xmlns="" xmlns:a14="http://schemas.microsoft.com/office/drawing/2010/main" w="9525">
                   <a:solidFill>
                     <a:srgbClr val="000000"/>
                   </a:solidFill>
@@ -453,7 +456,7 @@
             </a:ln>
             <a:extLst>
               <a:ext uri="{91240B29-F687-4f45-9708-019B960494DF}">
-                <a14:hiddenLine xmlns:a14="http://schemas.microsoft.com/office/drawing/2010/main" xmlns="" w="9525">
+                <a14:hiddenLine xmlns="" xmlns:a14="http://schemas.microsoft.com/office/drawing/2010/main" w="9525">
                   <a:solidFill>
                     <a:srgbClr val="000000"/>
                   </a:solidFill>
@@ -543,7 +546,7 @@
             </a:ln>
             <a:extLst>
               <a:ext uri="{91240B29-F687-4f45-9708-019B960494DF}">
-                <a14:hiddenLine xmlns:a14="http://schemas.microsoft.com/office/drawing/2010/main" xmlns="" w="9525">
+                <a14:hiddenLine xmlns="" xmlns:a14="http://schemas.microsoft.com/office/drawing/2010/main" w="9525">
                   <a:solidFill>
                     <a:srgbClr val="000000"/>
                   </a:solidFill>
@@ -605,7 +608,7 @@
             </a:ln>
             <a:extLst>
               <a:ext uri="{91240B29-F687-4f45-9708-019B960494DF}">
-                <a14:hiddenLine xmlns:a14="http://schemas.microsoft.com/office/drawing/2010/main" xmlns="" w="9525">
+                <a14:hiddenLine xmlns="" xmlns:a14="http://schemas.microsoft.com/office/drawing/2010/main" w="9525">
                   <a:solidFill>
                     <a:srgbClr val="000000"/>
                   </a:solidFill>
@@ -667,7 +670,7 @@
             </a:ln>
             <a:extLst>
               <a:ext uri="{91240B29-F687-4f45-9708-019B960494DF}">
-                <a14:hiddenLine xmlns:a14="http://schemas.microsoft.com/office/drawing/2010/main" xmlns="" w="9525">
+                <a14:hiddenLine xmlns="" xmlns:a14="http://schemas.microsoft.com/office/drawing/2010/main" w="9525">
                   <a:solidFill>
                     <a:srgbClr val="000000"/>
                   </a:solidFill>
@@ -757,7 +760,7 @@
             </a:ln>
             <a:extLst>
               <a:ext uri="{91240B29-F687-4f45-9708-019B960494DF}">
-                <a14:hiddenLine xmlns:a14="http://schemas.microsoft.com/office/drawing/2010/main" xmlns="" w="9525">
+                <a14:hiddenLine xmlns="" xmlns:a14="http://schemas.microsoft.com/office/drawing/2010/main" w="9525">
                   <a:solidFill>
                     <a:srgbClr val="000000"/>
                   </a:solidFill>
@@ -819,7 +822,7 @@
             </a:ln>
             <a:extLst>
               <a:ext uri="{91240B29-F687-4f45-9708-019B960494DF}">
-                <a14:hiddenLine xmlns:a14="http://schemas.microsoft.com/office/drawing/2010/main" xmlns="" w="9525">
+                <a14:hiddenLine xmlns="" xmlns:a14="http://schemas.microsoft.com/office/drawing/2010/main" w="9525">
                   <a:solidFill>
                     <a:srgbClr val="000000"/>
                   </a:solidFill>
@@ -881,7 +884,7 @@
             </a:ln>
             <a:extLst>
               <a:ext uri="{91240B29-F687-4f45-9708-019B960494DF}">
-                <a14:hiddenLine xmlns:a14="http://schemas.microsoft.com/office/drawing/2010/main" xmlns="" w="9525">
+                <a14:hiddenLine xmlns="" xmlns:a14="http://schemas.microsoft.com/office/drawing/2010/main" w="9525">
                   <a:solidFill>
                     <a:srgbClr val="000000"/>
                   </a:solidFill>
@@ -971,7 +974,7 @@
             </a:ln>
             <a:extLst>
               <a:ext uri="{91240B29-F687-4f45-9708-019B960494DF}">
-                <a14:hiddenLine xmlns:a14="http://schemas.microsoft.com/office/drawing/2010/main" xmlns="" w="9525">
+                <a14:hiddenLine xmlns="" xmlns:a14="http://schemas.microsoft.com/office/drawing/2010/main" w="9525">
                   <a:solidFill>
                     <a:srgbClr val="000000"/>
                   </a:solidFill>
@@ -1061,7 +1064,7 @@
             </a:ln>
             <a:extLst>
               <a:ext uri="{91240B29-F687-4f45-9708-019B960494DF}">
-                <a14:hiddenLine xmlns:a14="http://schemas.microsoft.com/office/drawing/2010/main" xmlns="" w="9525">
+                <a14:hiddenLine xmlns="" xmlns:a14="http://schemas.microsoft.com/office/drawing/2010/main" w="9525">
                   <a:solidFill>
                     <a:srgbClr val="000000"/>
                   </a:solidFill>
@@ -1123,7 +1126,7 @@
             </a:ln>
             <a:extLst>
               <a:ext uri="{91240B29-F687-4f45-9708-019B960494DF}">
-                <a14:hiddenLine xmlns:a14="http://schemas.microsoft.com/office/drawing/2010/main" xmlns="" w="9525">
+                <a14:hiddenLine xmlns="" xmlns:a14="http://schemas.microsoft.com/office/drawing/2010/main" w="9525">
                   <a:solidFill>
                     <a:srgbClr val="000000"/>
                   </a:solidFill>
@@ -1233,7 +1236,7 @@
             </a:ln>
             <a:extLst>
               <a:ext uri="{91240B29-F687-4f45-9708-019B960494DF}">
-                <a14:hiddenLine xmlns:a14="http://schemas.microsoft.com/office/drawing/2010/main" xmlns="" w="9525">
+                <a14:hiddenLine xmlns="" xmlns:a14="http://schemas.microsoft.com/office/drawing/2010/main" w="9525">
                   <a:solidFill>
                     <a:srgbClr val="000000"/>
                   </a:solidFill>
@@ -1295,7 +1298,7 @@
             </a:ln>
             <a:extLst>
               <a:ext uri="{91240B29-F687-4f45-9708-019B960494DF}">
-                <a14:hiddenLine xmlns:a14="http://schemas.microsoft.com/office/drawing/2010/main" xmlns="" w="9525">
+                <a14:hiddenLine xmlns="" xmlns:a14="http://schemas.microsoft.com/office/drawing/2010/main" w="9525">
                   <a:solidFill>
                     <a:srgbClr val="000000"/>
                   </a:solidFill>
@@ -1385,7 +1388,7 @@
             </a:ln>
             <a:extLst>
               <a:ext uri="{91240B29-F687-4f45-9708-019B960494DF}">
-                <a14:hiddenLine xmlns:a14="http://schemas.microsoft.com/office/drawing/2010/main" xmlns="" w="9525">
+                <a14:hiddenLine xmlns="" xmlns:a14="http://schemas.microsoft.com/office/drawing/2010/main" w="9525">
                   <a:solidFill>
                     <a:srgbClr val="000000"/>
                   </a:solidFill>
@@ -1475,7 +1478,7 @@
             </a:ln>
             <a:extLst>
               <a:ext uri="{91240B29-F687-4f45-9708-019B960494DF}">
-                <a14:hiddenLine xmlns:a14="http://schemas.microsoft.com/office/drawing/2010/main" xmlns="" w="9525">
+                <a14:hiddenLine xmlns="" xmlns:a14="http://schemas.microsoft.com/office/drawing/2010/main" w="9525">
                   <a:solidFill>
                     <a:srgbClr val="000000"/>
                   </a:solidFill>
@@ -1537,7 +1540,7 @@
             </a:ln>
             <a:extLst>
               <a:ext uri="{91240B29-F687-4f45-9708-019B960494DF}">
-                <a14:hiddenLine xmlns:a14="http://schemas.microsoft.com/office/drawing/2010/main" xmlns="" w="9525">
+                <a14:hiddenLine xmlns="" xmlns:a14="http://schemas.microsoft.com/office/drawing/2010/main" w="9525">
                   <a:solidFill>
                     <a:srgbClr val="000000"/>
                   </a:solidFill>
@@ -1627,7 +1630,7 @@
             </a:ln>
             <a:extLst>
               <a:ext uri="{91240B29-F687-4f45-9708-019B960494DF}">
-                <a14:hiddenLine xmlns:a14="http://schemas.microsoft.com/office/drawing/2010/main" xmlns="" w="9525">
+                <a14:hiddenLine xmlns="" xmlns:a14="http://schemas.microsoft.com/office/drawing/2010/main" w="9525">
                   <a:solidFill>
                     <a:srgbClr val="000000"/>
                   </a:solidFill>
@@ -1717,7 +1720,7 @@
             </a:ln>
             <a:extLst>
               <a:ext uri="{91240B29-F687-4f45-9708-019B960494DF}">
-                <a14:hiddenLine xmlns:a14="http://schemas.microsoft.com/office/drawing/2010/main" xmlns="" w="9525">
+                <a14:hiddenLine xmlns="" xmlns:a14="http://schemas.microsoft.com/office/drawing/2010/main" w="9525">
                   <a:solidFill>
                     <a:srgbClr val="000000"/>
                   </a:solidFill>
@@ -1773,7 +1776,7 @@
             </a:ln>
             <a:extLst>
               <a:ext uri="{91240B29-F687-4f45-9708-019B960494DF}">
-                <a14:hiddenLine xmlns:a14="http://schemas.microsoft.com/office/drawing/2010/main" xmlns="" w="9525">
+                <a14:hiddenLine xmlns="" xmlns:a14="http://schemas.microsoft.com/office/drawing/2010/main" w="9525">
                   <a:solidFill>
                     <a:srgbClr val="000000"/>
                   </a:solidFill>
@@ -1863,7 +1866,7 @@
             </a:ln>
             <a:extLst>
               <a:ext uri="{91240B29-F687-4f45-9708-019B960494DF}">
-                <a14:hiddenLine xmlns:a14="http://schemas.microsoft.com/office/drawing/2010/main" xmlns="" w="9525">
+                <a14:hiddenLine xmlns="" xmlns:a14="http://schemas.microsoft.com/office/drawing/2010/main" w="9525">
                   <a:solidFill>
                     <a:srgbClr val="000000"/>
                   </a:solidFill>
@@ -1919,7 +1922,7 @@
             </a:ln>
             <a:extLst>
               <a:ext uri="{91240B29-F687-4f45-9708-019B960494DF}">
-                <a14:hiddenLine xmlns:a14="http://schemas.microsoft.com/office/drawing/2010/main" xmlns="" w="9525">
+                <a14:hiddenLine xmlns="" xmlns:a14="http://schemas.microsoft.com/office/drawing/2010/main" w="9525">
                   <a:solidFill>
                     <a:srgbClr val="000000"/>
                   </a:solidFill>
@@ -2009,7 +2012,7 @@
             </a:ln>
             <a:extLst>
               <a:ext uri="{91240B29-F687-4f45-9708-019B960494DF}">
-                <a14:hiddenLine xmlns:a14="http://schemas.microsoft.com/office/drawing/2010/main" xmlns="" w="9525">
+                <a14:hiddenLine xmlns="" xmlns:a14="http://schemas.microsoft.com/office/drawing/2010/main" w="9525">
                   <a:solidFill>
                     <a:srgbClr val="000000"/>
                   </a:solidFill>
@@ -2077,7 +2080,7 @@
             </a:ln>
             <a:extLst>
               <a:ext uri="{91240B29-F687-4f45-9708-019B960494DF}">
-                <a14:hiddenLine xmlns:a14="http://schemas.microsoft.com/office/drawing/2010/main" xmlns="" w="9525">
+                <a14:hiddenLine xmlns="" xmlns:a14="http://schemas.microsoft.com/office/drawing/2010/main" w="9525">
                   <a:solidFill>
                     <a:srgbClr val="000000"/>
                   </a:solidFill>
@@ -2167,7 +2170,7 @@
             </a:ln>
             <a:extLst>
               <a:ext uri="{91240B29-F687-4f45-9708-019B960494DF}">
-                <a14:hiddenLine xmlns:a14="http://schemas.microsoft.com/office/drawing/2010/main" xmlns="" w="9525">
+                <a14:hiddenLine xmlns="" xmlns:a14="http://schemas.microsoft.com/office/drawing/2010/main" w="9525">
                   <a:solidFill>
                     <a:srgbClr val="000000"/>
                   </a:solidFill>
@@ -2235,7 +2238,7 @@
             </a:ln>
             <a:extLst>
               <a:ext uri="{91240B29-F687-4f45-9708-019B960494DF}">
-                <a14:hiddenLine xmlns:a14="http://schemas.microsoft.com/office/drawing/2010/main" xmlns="" w="9525">
+                <a14:hiddenLine xmlns="" xmlns:a14="http://schemas.microsoft.com/office/drawing/2010/main" w="9525">
                   <a:solidFill>
                     <a:srgbClr val="000000"/>
                   </a:solidFill>
@@ -2325,7 +2328,7 @@
             </a:ln>
             <a:extLst>
               <a:ext uri="{91240B29-F687-4f45-9708-019B960494DF}">
-                <a14:hiddenLine xmlns:a14="http://schemas.microsoft.com/office/drawing/2010/main" xmlns="" w="9525">
+                <a14:hiddenLine xmlns="" xmlns:a14="http://schemas.microsoft.com/office/drawing/2010/main" w="9525">
                   <a:solidFill>
                     <a:srgbClr val="000000"/>
                   </a:solidFill>
@@ -2359,7 +2362,7 @@
             </a:ln>
             <a:extLst>
               <a:ext uri="{91240B29-F687-4f45-9708-019B960494DF}">
-                <a14:hiddenLine xmlns:a14="http://schemas.microsoft.com/office/drawing/2010/main" xmlns="" w="9525">
+                <a14:hiddenLine xmlns="" xmlns:a14="http://schemas.microsoft.com/office/drawing/2010/main" w="9525">
                   <a:solidFill>
                     <a:srgbClr val="000000"/>
                   </a:solidFill>
@@ -2449,7 +2452,7 @@
             </a:ln>
             <a:extLst>
               <a:ext uri="{91240B29-F687-4f45-9708-019B960494DF}">
-                <a14:hiddenLine xmlns:a14="http://schemas.microsoft.com/office/drawing/2010/main" xmlns="" w="9525">
+                <a14:hiddenLine xmlns="" xmlns:a14="http://schemas.microsoft.com/office/drawing/2010/main" w="9525">
                   <a:solidFill>
                     <a:srgbClr val="000000"/>
                   </a:solidFill>
@@ -2511,7 +2514,7 @@
             </a:ln>
             <a:extLst>
               <a:ext uri="{91240B29-F687-4f45-9708-019B960494DF}">
-                <a14:hiddenLine xmlns:a14="http://schemas.microsoft.com/office/drawing/2010/main" xmlns="" w="9525">
+                <a14:hiddenLine xmlns="" xmlns:a14="http://schemas.microsoft.com/office/drawing/2010/main" w="9525">
                   <a:solidFill>
                     <a:srgbClr val="000000"/>
                   </a:solidFill>
@@ -2573,7 +2576,7 @@
             </a:ln>
             <a:extLst>
               <a:ext uri="{91240B29-F687-4f45-9708-019B960494DF}">
-                <a14:hiddenLine xmlns:a14="http://schemas.microsoft.com/office/drawing/2010/main" xmlns="" w="9525">
+                <a14:hiddenLine xmlns="" xmlns:a14="http://schemas.microsoft.com/office/drawing/2010/main" w="9525">
                   <a:solidFill>
                     <a:srgbClr val="000000"/>
                   </a:solidFill>
@@ -2663,7 +2666,7 @@
             </a:ln>
             <a:extLst>
               <a:ext uri="{91240B29-F687-4f45-9708-019B960494DF}">
-                <a14:hiddenLine xmlns:a14="http://schemas.microsoft.com/office/drawing/2010/main" xmlns="" w="9525">
+                <a14:hiddenLine xmlns="" xmlns:a14="http://schemas.microsoft.com/office/drawing/2010/main" w="9525">
                   <a:solidFill>
                     <a:srgbClr val="000000"/>
                   </a:solidFill>
@@ -2731,7 +2734,7 @@
             </a:ln>
             <a:extLst>
               <a:ext uri="{91240B29-F687-4f45-9708-019B960494DF}">
-                <a14:hiddenLine xmlns:a14="http://schemas.microsoft.com/office/drawing/2010/main" xmlns="" w="9525">
+                <a14:hiddenLine xmlns="" xmlns:a14="http://schemas.microsoft.com/office/drawing/2010/main" w="9525">
                   <a:solidFill>
                     <a:srgbClr val="000000"/>
                   </a:solidFill>
@@ -2793,7 +2796,7 @@
             </a:ln>
             <a:extLst>
               <a:ext uri="{91240B29-F687-4f45-9708-019B960494DF}">
-                <a14:hiddenLine xmlns:a14="http://schemas.microsoft.com/office/drawing/2010/main" xmlns="" w="9525">
+                <a14:hiddenLine xmlns="" xmlns:a14="http://schemas.microsoft.com/office/drawing/2010/main" w="9525">
                   <a:solidFill>
                     <a:srgbClr val="000000"/>
                   </a:solidFill>
@@ -2883,7 +2886,7 @@
             </a:ln>
             <a:extLst>
               <a:ext uri="{91240B29-F687-4f45-9708-019B960494DF}">
-                <a14:hiddenLine xmlns:a14="http://schemas.microsoft.com/office/drawing/2010/main" xmlns="" w="9525">
+                <a14:hiddenLine xmlns="" xmlns:a14="http://schemas.microsoft.com/office/drawing/2010/main" w="9525">
                   <a:solidFill>
                     <a:srgbClr val="000000"/>
                   </a:solidFill>
@@ -2945,7 +2948,7 @@
             </a:ln>
             <a:extLst>
               <a:ext uri="{91240B29-F687-4f45-9708-019B960494DF}">
-                <a14:hiddenLine xmlns:a14="http://schemas.microsoft.com/office/drawing/2010/main" xmlns="" w="9525">
+                <a14:hiddenLine xmlns="" xmlns:a14="http://schemas.microsoft.com/office/drawing/2010/main" w="9525">
                   <a:solidFill>
                     <a:srgbClr val="000000"/>
                   </a:solidFill>
@@ -3035,7 +3038,7 @@
             </a:ln>
             <a:extLst>
               <a:ext uri="{91240B29-F687-4f45-9708-019B960494DF}">
-                <a14:hiddenLine xmlns:a14="http://schemas.microsoft.com/office/drawing/2010/main" xmlns="" w="9525">
+                <a14:hiddenLine xmlns="" xmlns:a14="http://schemas.microsoft.com/office/drawing/2010/main" w="9525">
                   <a:solidFill>
                     <a:srgbClr val="000000"/>
                   </a:solidFill>
@@ -3097,7 +3100,7 @@
             </a:ln>
             <a:extLst>
               <a:ext uri="{91240B29-F687-4f45-9708-019B960494DF}">
-                <a14:hiddenLine xmlns:a14="http://schemas.microsoft.com/office/drawing/2010/main" xmlns="" w="9525">
+                <a14:hiddenLine xmlns="" xmlns:a14="http://schemas.microsoft.com/office/drawing/2010/main" w="9525">
                   <a:solidFill>
                     <a:srgbClr val="000000"/>
                   </a:solidFill>
@@ -3187,7 +3190,7 @@
             </a:ln>
             <a:extLst>
               <a:ext uri="{91240B29-F687-4f45-9708-019B960494DF}">
-                <a14:hiddenLine xmlns:a14="http://schemas.microsoft.com/office/drawing/2010/main" xmlns="" w="9525">
+                <a14:hiddenLine xmlns="" xmlns:a14="http://schemas.microsoft.com/office/drawing/2010/main" w="9525">
                   <a:solidFill>
                     <a:srgbClr val="000000"/>
                   </a:solidFill>
@@ -3221,7 +3224,7 @@
             </a:ln>
             <a:extLst>
               <a:ext uri="{91240B29-F687-4f45-9708-019B960494DF}">
-                <a14:hiddenLine xmlns:a14="http://schemas.microsoft.com/office/drawing/2010/main" xmlns="" w="9525">
+                <a14:hiddenLine xmlns="" xmlns:a14="http://schemas.microsoft.com/office/drawing/2010/main" w="9525">
                   <a:solidFill>
                     <a:srgbClr val="000000"/>
                   </a:solidFill>
@@ -3286,7 +3289,7 @@
             </a:ln>
             <a:extLst>
               <a:ext uri="{91240B29-F687-4f45-9708-019B960494DF}">
-                <a14:hiddenLine xmlns:a14="http://schemas.microsoft.com/office/drawing/2010/main" xmlns="" w="9525">
+                <a14:hiddenLine xmlns="" xmlns:a14="http://schemas.microsoft.com/office/drawing/2010/main" w="9525">
                   <a:solidFill>
                     <a:srgbClr val="000000"/>
                   </a:solidFill>
@@ -3376,7 +3379,7 @@
             </a:ln>
             <a:extLst>
               <a:ext uri="{91240B29-F687-4f45-9708-019B960494DF}">
-                <a14:hiddenLine xmlns:a14="http://schemas.microsoft.com/office/drawing/2010/main" xmlns="" w="9525">
+                <a14:hiddenLine xmlns="" xmlns:a14="http://schemas.microsoft.com/office/drawing/2010/main" w="9525">
                   <a:solidFill>
                     <a:srgbClr val="000000"/>
                   </a:solidFill>
@@ -3438,7 +3441,7 @@
             </a:ln>
             <a:extLst>
               <a:ext uri="{91240B29-F687-4f45-9708-019B960494DF}">
-                <a14:hiddenLine xmlns:a14="http://schemas.microsoft.com/office/drawing/2010/main" xmlns="" w="9525">
+                <a14:hiddenLine xmlns="" xmlns:a14="http://schemas.microsoft.com/office/drawing/2010/main" w="9525">
                   <a:solidFill>
                     <a:srgbClr val="000000"/>
                   </a:solidFill>
@@ -3528,7 +3531,7 @@
             </a:ln>
             <a:extLst>
               <a:ext uri="{91240B29-F687-4f45-9708-019B960494DF}">
-                <a14:hiddenLine xmlns:a14="http://schemas.microsoft.com/office/drawing/2010/main" xmlns="" w="9525">
+                <a14:hiddenLine xmlns="" xmlns:a14="http://schemas.microsoft.com/office/drawing/2010/main" w="9525">
                   <a:solidFill>
                     <a:srgbClr val="000000"/>
                   </a:solidFill>
@@ -3618,7 +3621,7 @@
             </a:ln>
             <a:extLst>
               <a:ext uri="{91240B29-F687-4f45-9708-019B960494DF}">
-                <a14:hiddenLine xmlns:a14="http://schemas.microsoft.com/office/drawing/2010/main" xmlns="" w="9525">
+                <a14:hiddenLine xmlns="" xmlns:a14="http://schemas.microsoft.com/office/drawing/2010/main" w="9525">
                   <a:solidFill>
                     <a:srgbClr val="000000"/>
                   </a:solidFill>
@@ -3683,7 +3686,7 @@
             </a:ln>
             <a:extLst>
               <a:ext uri="{91240B29-F687-4f45-9708-019B960494DF}">
-                <a14:hiddenLine xmlns:a14="http://schemas.microsoft.com/office/drawing/2010/main" xmlns="" w="9525">
+                <a14:hiddenLine xmlns="" xmlns:a14="http://schemas.microsoft.com/office/drawing/2010/main" w="9525">
                   <a:solidFill>
                     <a:srgbClr val="000000"/>
                   </a:solidFill>
@@ -3745,7 +3748,7 @@
             </a:ln>
             <a:extLst>
               <a:ext uri="{91240B29-F687-4f45-9708-019B960494DF}">
-                <a14:hiddenLine xmlns:a14="http://schemas.microsoft.com/office/drawing/2010/main" xmlns="" w="9525">
+                <a14:hiddenLine xmlns="" xmlns:a14="http://schemas.microsoft.com/office/drawing/2010/main" w="9525">
                   <a:solidFill>
                     <a:srgbClr val="000000"/>
                   </a:solidFill>
@@ -3835,7 +3838,7 @@
             </a:ln>
             <a:extLst>
               <a:ext uri="{91240B29-F687-4f45-9708-019B960494DF}">
-                <a14:hiddenLine xmlns:a14="http://schemas.microsoft.com/office/drawing/2010/main" xmlns="" w="9525">
+                <a14:hiddenLine xmlns="" xmlns:a14="http://schemas.microsoft.com/office/drawing/2010/main" w="9525">
                   <a:solidFill>
                     <a:srgbClr val="000000"/>
                   </a:solidFill>
@@ -3925,7 +3928,7 @@
             </a:ln>
             <a:extLst>
               <a:ext uri="{91240B29-F687-4f45-9708-019B960494DF}">
-                <a14:hiddenLine xmlns:a14="http://schemas.microsoft.com/office/drawing/2010/main" xmlns="" w="9525">
+                <a14:hiddenLine xmlns="" xmlns:a14="http://schemas.microsoft.com/office/drawing/2010/main" w="9525">
                   <a:solidFill>
                     <a:srgbClr val="000000"/>
                   </a:solidFill>
@@ -3987,7 +3990,7 @@
             </a:ln>
             <a:extLst>
               <a:ext uri="{91240B29-F687-4f45-9708-019B960494DF}">
-                <a14:hiddenLine xmlns:a14="http://schemas.microsoft.com/office/drawing/2010/main" xmlns="" w="9525">
+                <a14:hiddenLine xmlns="" xmlns:a14="http://schemas.microsoft.com/office/drawing/2010/main" w="9525">
                   <a:solidFill>
                     <a:srgbClr val="000000"/>
                   </a:solidFill>
@@ -4107,7 +4110,7 @@
             </a:ln>
             <a:extLst>
               <a:ext uri="{91240B29-F687-4f45-9708-019B960494DF}">
-                <a14:hiddenLine xmlns:a14="http://schemas.microsoft.com/office/drawing/2010/main" xmlns="" w="9525">
+                <a14:hiddenLine xmlns="" xmlns:a14="http://schemas.microsoft.com/office/drawing/2010/main" w="9525">
                   <a:solidFill>
                     <a:srgbClr val="000000"/>
                   </a:solidFill>
@@ -4175,7 +4178,7 @@
             </a:ln>
             <a:extLst>
               <a:ext uri="{91240B29-F687-4f45-9708-019B960494DF}">
-                <a14:hiddenLine xmlns:a14="http://schemas.microsoft.com/office/drawing/2010/main" xmlns="" w="9525">
+                <a14:hiddenLine xmlns="" xmlns:a14="http://schemas.microsoft.com/office/drawing/2010/main" w="9525">
                   <a:solidFill>
                     <a:srgbClr val="000000"/>
                   </a:solidFill>
@@ -4265,7 +4268,7 @@
             </a:ln>
             <a:extLst>
               <a:ext uri="{91240B29-F687-4f45-9708-019B960494DF}">
-                <a14:hiddenLine xmlns:a14="http://schemas.microsoft.com/office/drawing/2010/main" xmlns="" w="9525">
+                <a14:hiddenLine xmlns="" xmlns:a14="http://schemas.microsoft.com/office/drawing/2010/main" w="9525">
                   <a:solidFill>
                     <a:srgbClr val="000000"/>
                   </a:solidFill>
@@ -4405,7 +4408,7 @@
           <a:p>
             <a:fld id="{48A87A34-81AB-432B-8DAE-1953F412C126}" type="datetimeFigureOut">
               <a:rPr lang="en-US" dirty="0"/>
-              <a:t>3/31/2022</a:t>
+              <a:t>4/2/2022</a:t>
             </a:fld>
             <a:endParaRPr lang="en-US" dirty="0"/>
           </a:p>
@@ -4667,7 +4670,7 @@
           <a:p>
             <a:fld id="{48A87A34-81AB-432B-8DAE-1953F412C126}" type="datetimeFigureOut">
               <a:rPr lang="en-US" dirty="0"/>
-              <a:t>3/31/2022</a:t>
+              <a:t>4/2/2022</a:t>
             </a:fld>
             <a:endParaRPr lang="en-US" dirty="0"/>
           </a:p>
@@ -4858,7 +4861,7 @@
           <a:p>
             <a:fld id="{48A87A34-81AB-432B-8DAE-1953F412C126}" type="datetimeFigureOut">
               <a:rPr lang="en-US" dirty="0"/>
-              <a:t>3/31/2022</a:t>
+              <a:t>4/2/2022</a:t>
             </a:fld>
             <a:endParaRPr lang="en-US" dirty="0"/>
           </a:p>
@@ -5116,7 +5119,7 @@
           <a:p>
             <a:fld id="{48A87A34-81AB-432B-8DAE-1953F412C126}" type="datetimeFigureOut">
               <a:rPr lang="en-US" dirty="0"/>
-              <a:t>3/31/2022</a:t>
+              <a:t>4/2/2022</a:t>
             </a:fld>
             <a:endParaRPr lang="en-US" dirty="0"/>
           </a:p>
@@ -5545,7 +5548,7 @@
           <a:p>
             <a:fld id="{48A87A34-81AB-432B-8DAE-1953F412C126}" type="datetimeFigureOut">
               <a:rPr lang="en-US" dirty="0"/>
-              <a:t>3/31/2022</a:t>
+              <a:t>4/2/2022</a:t>
             </a:fld>
             <a:endParaRPr lang="en-US" dirty="0"/>
           </a:p>
@@ -6086,7 +6089,7 @@
           <a:p>
             <a:fld id="{48A87A34-81AB-432B-8DAE-1953F412C126}" type="datetimeFigureOut">
               <a:rPr lang="en-US" dirty="0"/>
-              <a:t>3/31/2022</a:t>
+              <a:t>4/2/2022</a:t>
             </a:fld>
             <a:endParaRPr lang="en-US" dirty="0"/>
           </a:p>
@@ -6801,7 +6804,7 @@
           <a:p>
             <a:fld id="{48A87A34-81AB-432B-8DAE-1953F412C126}" type="datetimeFigureOut">
               <a:rPr lang="en-US" dirty="0"/>
-              <a:t>3/31/2022</a:t>
+              <a:t>4/2/2022</a:t>
             </a:fld>
             <a:endParaRPr lang="en-US" dirty="0"/>
           </a:p>
@@ -6966,7 +6969,7 @@
           <a:p>
             <a:fld id="{48A87A34-81AB-432B-8DAE-1953F412C126}" type="datetimeFigureOut">
               <a:rPr lang="en-US" dirty="0"/>
-              <a:t>3/31/2022</a:t>
+              <a:t>4/2/2022</a:t>
             </a:fld>
             <a:endParaRPr lang="en-US" dirty="0"/>
           </a:p>
@@ -7141,7 +7144,7 @@
           <a:p>
             <a:fld id="{48A87A34-81AB-432B-8DAE-1953F412C126}" type="datetimeFigureOut">
               <a:rPr lang="en-US" dirty="0"/>
-              <a:t>3/31/2022</a:t>
+              <a:t>4/2/2022</a:t>
             </a:fld>
             <a:endParaRPr lang="en-US" dirty="0"/>
           </a:p>
@@ -7306,7 +7309,7 @@
           <a:p>
             <a:fld id="{48A87A34-81AB-432B-8DAE-1953F412C126}" type="datetimeFigureOut">
               <a:rPr lang="en-US" dirty="0"/>
-              <a:t>3/31/2022</a:t>
+              <a:t>4/2/2022</a:t>
             </a:fld>
             <a:endParaRPr lang="en-US" dirty="0"/>
           </a:p>
@@ -7551,7 +7554,7 @@
           <a:p>
             <a:fld id="{48A87A34-81AB-432B-8DAE-1953F412C126}" type="datetimeFigureOut">
               <a:rPr lang="en-US" dirty="0"/>
-              <a:t>3/31/2022</a:t>
+              <a:t>4/2/2022</a:t>
             </a:fld>
             <a:endParaRPr lang="en-US" dirty="0"/>
           </a:p>
@@ -7778,7 +7781,7 @@
           <a:p>
             <a:fld id="{48A87A34-81AB-432B-8DAE-1953F412C126}" type="datetimeFigureOut">
               <a:rPr lang="en-US" dirty="0"/>
-              <a:t>3/31/2022</a:t>
+              <a:t>4/2/2022</a:t>
             </a:fld>
             <a:endParaRPr lang="en-US" dirty="0"/>
           </a:p>
@@ -8154,7 +8157,7 @@
           <a:p>
             <a:fld id="{48A87A34-81AB-432B-8DAE-1953F412C126}" type="datetimeFigureOut">
               <a:rPr lang="en-US" dirty="0"/>
-              <a:t>3/31/2022</a:t>
+              <a:t>4/2/2022</a:t>
             </a:fld>
             <a:endParaRPr lang="en-US" dirty="0"/>
           </a:p>
@@ -8267,7 +8270,7 @@
           <a:p>
             <a:fld id="{48A87A34-81AB-432B-8DAE-1953F412C126}" type="datetimeFigureOut">
               <a:rPr lang="en-US" dirty="0"/>
-              <a:t>3/31/2022</a:t>
+              <a:t>4/2/2022</a:t>
             </a:fld>
             <a:endParaRPr lang="en-US" dirty="0"/>
           </a:p>
@@ -8357,7 +8360,7 @@
           <a:p>
             <a:fld id="{48A87A34-81AB-432B-8DAE-1953F412C126}" type="datetimeFigureOut">
               <a:rPr lang="en-US" dirty="0"/>
-              <a:t>3/31/2022</a:t>
+              <a:t>4/2/2022</a:t>
             </a:fld>
             <a:endParaRPr lang="en-US" dirty="0"/>
           </a:p>
@@ -8601,7 +8604,7 @@
           <a:p>
             <a:fld id="{48A87A34-81AB-432B-8DAE-1953F412C126}" type="datetimeFigureOut">
               <a:rPr lang="en-US" dirty="0"/>
-              <a:t>3/31/2022</a:t>
+              <a:t>4/2/2022</a:t>
             </a:fld>
             <a:endParaRPr lang="en-US" dirty="0"/>
           </a:p>
@@ -8876,7 +8879,7 @@
           <a:p>
             <a:fld id="{48A87A34-81AB-432B-8DAE-1953F412C126}" type="datetimeFigureOut">
               <a:rPr lang="en-US" dirty="0"/>
-              <a:t>3/31/2022</a:t>
+              <a:t>4/2/2022</a:t>
             </a:fld>
             <a:endParaRPr lang="en-US" dirty="0"/>
           </a:p>
@@ -8994,7 +8997,7 @@
           <a:noFill/>
           <a:extLst>
             <a:ext uri="{909E8E84-426E-40dd-AFC4-6F175D3DCCD1}">
-              <a14:hiddenFill xmlns:a14="http://schemas.microsoft.com/office/drawing/2010/main" xmlns="">
+              <a14:hiddenFill xmlns="" xmlns:a14="http://schemas.microsoft.com/office/drawing/2010/main">
                 <a:solidFill>
                   <a:srgbClr val="FFFFFF"/>
                 </a:solidFill>
@@ -9068,7 +9071,7 @@
               </a:ln>
               <a:extLst>
                 <a:ext uri="{91240B29-F687-4f45-9708-019B960494DF}">
-                  <a14:hiddenLine xmlns:a14="http://schemas.microsoft.com/office/drawing/2010/main" xmlns="" w="9525">
+                  <a14:hiddenLine xmlns="" xmlns:a14="http://schemas.microsoft.com/office/drawing/2010/main" w="9525">
                     <a:solidFill>
                       <a:srgbClr val="000000"/>
                     </a:solidFill>
@@ -9158,7 +9161,7 @@
               </a:ln>
               <a:extLst>
                 <a:ext uri="{91240B29-F687-4f45-9708-019B960494DF}">
-                  <a14:hiddenLine xmlns:a14="http://schemas.microsoft.com/office/drawing/2010/main" xmlns="" w="9525">
+                  <a14:hiddenLine xmlns="" xmlns:a14="http://schemas.microsoft.com/office/drawing/2010/main" w="9525">
                     <a:solidFill>
                       <a:srgbClr val="000000"/>
                     </a:solidFill>
@@ -9248,7 +9251,7 @@
               </a:ln>
               <a:extLst>
                 <a:ext uri="{91240B29-F687-4f45-9708-019B960494DF}">
-                  <a14:hiddenLine xmlns:a14="http://schemas.microsoft.com/office/drawing/2010/main" xmlns="" w="9525">
+                  <a14:hiddenLine xmlns="" xmlns:a14="http://schemas.microsoft.com/office/drawing/2010/main" w="9525">
                     <a:solidFill>
                       <a:srgbClr val="000000"/>
                     </a:solidFill>
@@ -9310,7 +9313,7 @@
               </a:ln>
               <a:extLst>
                 <a:ext uri="{91240B29-F687-4f45-9708-019B960494DF}">
-                  <a14:hiddenLine xmlns:a14="http://schemas.microsoft.com/office/drawing/2010/main" xmlns="" w="9525">
+                  <a14:hiddenLine xmlns="" xmlns:a14="http://schemas.microsoft.com/office/drawing/2010/main" w="9525">
                     <a:solidFill>
                       <a:srgbClr val="000000"/>
                     </a:solidFill>
@@ -9400,7 +9403,7 @@
               </a:ln>
               <a:extLst>
                 <a:ext uri="{91240B29-F687-4f45-9708-019B960494DF}">
-                  <a14:hiddenLine xmlns:a14="http://schemas.microsoft.com/office/drawing/2010/main" xmlns="" w="9525">
+                  <a14:hiddenLine xmlns="" xmlns:a14="http://schemas.microsoft.com/office/drawing/2010/main" w="9525">
                     <a:solidFill>
                       <a:srgbClr val="000000"/>
                     </a:solidFill>
@@ -9462,7 +9465,7 @@
               </a:ln>
               <a:extLst>
                 <a:ext uri="{91240B29-F687-4f45-9708-019B960494DF}">
-                  <a14:hiddenLine xmlns:a14="http://schemas.microsoft.com/office/drawing/2010/main" xmlns="" w="9525">
+                  <a14:hiddenLine xmlns="" xmlns:a14="http://schemas.microsoft.com/office/drawing/2010/main" w="9525">
                     <a:solidFill>
                       <a:srgbClr val="000000"/>
                     </a:solidFill>
@@ -9524,7 +9527,7 @@
               </a:ln>
               <a:extLst>
                 <a:ext uri="{91240B29-F687-4f45-9708-019B960494DF}">
-                  <a14:hiddenLine xmlns:a14="http://schemas.microsoft.com/office/drawing/2010/main" xmlns="" w="9525">
+                  <a14:hiddenLine xmlns="" xmlns:a14="http://schemas.microsoft.com/office/drawing/2010/main" w="9525">
                     <a:solidFill>
                       <a:srgbClr val="000000"/>
                     </a:solidFill>
@@ -9614,7 +9617,7 @@
               </a:ln>
               <a:extLst>
                 <a:ext uri="{91240B29-F687-4f45-9708-019B960494DF}">
-                  <a14:hiddenLine xmlns:a14="http://schemas.microsoft.com/office/drawing/2010/main" xmlns="" w="9525">
+                  <a14:hiddenLine xmlns="" xmlns:a14="http://schemas.microsoft.com/office/drawing/2010/main" w="9525">
                     <a:solidFill>
                       <a:srgbClr val="000000"/>
                     </a:solidFill>
@@ -9704,7 +9707,7 @@
               </a:ln>
               <a:extLst>
                 <a:ext uri="{91240B29-F687-4f45-9708-019B960494DF}">
-                  <a14:hiddenLine xmlns:a14="http://schemas.microsoft.com/office/drawing/2010/main" xmlns="" w="9525">
+                  <a14:hiddenLine xmlns="" xmlns:a14="http://schemas.microsoft.com/office/drawing/2010/main" w="9525">
                     <a:solidFill>
                       <a:srgbClr val="000000"/>
                     </a:solidFill>
@@ -9766,7 +9769,7 @@
               </a:ln>
               <a:extLst>
                 <a:ext uri="{91240B29-F687-4f45-9708-019B960494DF}">
-                  <a14:hiddenLine xmlns:a14="http://schemas.microsoft.com/office/drawing/2010/main" xmlns="" w="9525">
+                  <a14:hiddenLine xmlns="" xmlns:a14="http://schemas.microsoft.com/office/drawing/2010/main" w="9525">
                     <a:solidFill>
                       <a:srgbClr val="000000"/>
                     </a:solidFill>
@@ -9876,7 +9879,7 @@
               </a:ln>
               <a:extLst>
                 <a:ext uri="{91240B29-F687-4f45-9708-019B960494DF}">
-                  <a14:hiddenLine xmlns:a14="http://schemas.microsoft.com/office/drawing/2010/main" xmlns="" w="9525">
+                  <a14:hiddenLine xmlns="" xmlns:a14="http://schemas.microsoft.com/office/drawing/2010/main" w="9525">
                     <a:solidFill>
                       <a:srgbClr val="000000"/>
                     </a:solidFill>
@@ -9960,7 +9963,7 @@
               </a:ln>
               <a:extLst>
                 <a:ext uri="{91240B29-F687-4f45-9708-019B960494DF}">
-                  <a14:hiddenLine xmlns:a14="http://schemas.microsoft.com/office/drawing/2010/main" xmlns="" w="9525">
+                  <a14:hiddenLine xmlns="" xmlns:a14="http://schemas.microsoft.com/office/drawing/2010/main" w="9525">
                     <a:solidFill>
                       <a:srgbClr val="000000"/>
                     </a:solidFill>
@@ -10022,7 +10025,7 @@
               </a:ln>
               <a:extLst>
                 <a:ext uri="{91240B29-F687-4f45-9708-019B960494DF}">
-                  <a14:hiddenLine xmlns:a14="http://schemas.microsoft.com/office/drawing/2010/main" xmlns="" w="9525">
+                  <a14:hiddenLine xmlns="" xmlns:a14="http://schemas.microsoft.com/office/drawing/2010/main" w="9525">
                     <a:solidFill>
                       <a:srgbClr val="000000"/>
                     </a:solidFill>
@@ -10084,7 +10087,7 @@
               </a:ln>
               <a:extLst>
                 <a:ext uri="{91240B29-F687-4f45-9708-019B960494DF}">
-                  <a14:hiddenLine xmlns:a14="http://schemas.microsoft.com/office/drawing/2010/main" xmlns="" w="9525">
+                  <a14:hiddenLine xmlns="" xmlns:a14="http://schemas.microsoft.com/office/drawing/2010/main" w="9525">
                     <a:solidFill>
                       <a:srgbClr val="000000"/>
                     </a:solidFill>
@@ -10174,7 +10177,7 @@
               </a:ln>
               <a:extLst>
                 <a:ext uri="{91240B29-F687-4f45-9708-019B960494DF}">
-                  <a14:hiddenLine xmlns:a14="http://schemas.microsoft.com/office/drawing/2010/main" xmlns="" w="9525">
+                  <a14:hiddenLine xmlns="" xmlns:a14="http://schemas.microsoft.com/office/drawing/2010/main" w="9525">
                     <a:solidFill>
                       <a:srgbClr val="000000"/>
                     </a:solidFill>
@@ -10208,7 +10211,7 @@
               </a:ln>
               <a:extLst>
                 <a:ext uri="{91240B29-F687-4f45-9708-019B960494DF}">
-                  <a14:hiddenLine xmlns:a14="http://schemas.microsoft.com/office/drawing/2010/main" xmlns="" w="9525">
+                  <a14:hiddenLine xmlns="" xmlns:a14="http://schemas.microsoft.com/office/drawing/2010/main" w="9525">
                     <a:solidFill>
                       <a:srgbClr val="000000"/>
                     </a:solidFill>
@@ -10273,7 +10276,7 @@
               </a:ln>
               <a:extLst>
                 <a:ext uri="{91240B29-F687-4f45-9708-019B960494DF}">
-                  <a14:hiddenLine xmlns:a14="http://schemas.microsoft.com/office/drawing/2010/main" xmlns="" w="9525">
+                  <a14:hiddenLine xmlns="" xmlns:a14="http://schemas.microsoft.com/office/drawing/2010/main" w="9525">
                     <a:solidFill>
                       <a:srgbClr val="000000"/>
                     </a:solidFill>
@@ -10363,7 +10366,7 @@
               </a:ln>
               <a:extLst>
                 <a:ext uri="{91240B29-F687-4f45-9708-019B960494DF}">
-                  <a14:hiddenLine xmlns:a14="http://schemas.microsoft.com/office/drawing/2010/main" xmlns="" w="9525">
+                  <a14:hiddenLine xmlns="" xmlns:a14="http://schemas.microsoft.com/office/drawing/2010/main" w="9525">
                     <a:solidFill>
                       <a:srgbClr val="000000"/>
                     </a:solidFill>
@@ -10425,7 +10428,7 @@
               </a:ln>
               <a:extLst>
                 <a:ext uri="{91240B29-F687-4f45-9708-019B960494DF}">
-                  <a14:hiddenLine xmlns:a14="http://schemas.microsoft.com/office/drawing/2010/main" xmlns="" w="9525">
+                  <a14:hiddenLine xmlns="" xmlns:a14="http://schemas.microsoft.com/office/drawing/2010/main" w="9525">
                     <a:solidFill>
                       <a:srgbClr val="000000"/>
                     </a:solidFill>
@@ -10515,7 +10518,7 @@
               </a:ln>
               <a:extLst>
                 <a:ext uri="{91240B29-F687-4f45-9708-019B960494DF}">
-                  <a14:hiddenLine xmlns:a14="http://schemas.microsoft.com/office/drawing/2010/main" xmlns="" w="9525">
+                  <a14:hiddenLine xmlns="" xmlns:a14="http://schemas.microsoft.com/office/drawing/2010/main" w="9525">
                     <a:solidFill>
                       <a:srgbClr val="000000"/>
                     </a:solidFill>
@@ -10580,7 +10583,7 @@
               </a:ln>
               <a:extLst>
                 <a:ext uri="{91240B29-F687-4f45-9708-019B960494DF}">
-                  <a14:hiddenLine xmlns:a14="http://schemas.microsoft.com/office/drawing/2010/main" xmlns="" w="9525">
+                  <a14:hiddenLine xmlns="" xmlns:a14="http://schemas.microsoft.com/office/drawing/2010/main" w="9525">
                     <a:solidFill>
                       <a:srgbClr val="000000"/>
                     </a:solidFill>
@@ -10642,7 +10645,7 @@
               </a:ln>
               <a:extLst>
                 <a:ext uri="{91240B29-F687-4f45-9708-019B960494DF}">
-                  <a14:hiddenLine xmlns:a14="http://schemas.microsoft.com/office/drawing/2010/main" xmlns="" w="9525">
+                  <a14:hiddenLine xmlns="" xmlns:a14="http://schemas.microsoft.com/office/drawing/2010/main" w="9525">
                     <a:solidFill>
                       <a:srgbClr val="000000"/>
                     </a:solidFill>
@@ -10732,7 +10735,7 @@
               </a:ln>
               <a:extLst>
                 <a:ext uri="{91240B29-F687-4f45-9708-019B960494DF}">
-                  <a14:hiddenLine xmlns:a14="http://schemas.microsoft.com/office/drawing/2010/main" xmlns="" w="9525">
+                  <a14:hiddenLine xmlns="" xmlns:a14="http://schemas.microsoft.com/office/drawing/2010/main" w="9525">
                     <a:solidFill>
                       <a:srgbClr val="000000"/>
                     </a:solidFill>
@@ -10822,7 +10825,7 @@
               </a:ln>
               <a:extLst>
                 <a:ext uri="{91240B29-F687-4f45-9708-019B960494DF}">
-                  <a14:hiddenLine xmlns:a14="http://schemas.microsoft.com/office/drawing/2010/main" xmlns="" w="9525">
+                  <a14:hiddenLine xmlns="" xmlns:a14="http://schemas.microsoft.com/office/drawing/2010/main" w="9525">
                     <a:solidFill>
                       <a:srgbClr val="000000"/>
                     </a:solidFill>
@@ -10887,7 +10890,7 @@
               </a:ln>
               <a:extLst>
                 <a:ext uri="{91240B29-F687-4f45-9708-019B960494DF}">
-                  <a14:hiddenLine xmlns:a14="http://schemas.microsoft.com/office/drawing/2010/main" xmlns="" w="9525">
+                  <a14:hiddenLine xmlns="" xmlns:a14="http://schemas.microsoft.com/office/drawing/2010/main" w="9525">
                     <a:solidFill>
                       <a:srgbClr val="000000"/>
                     </a:solidFill>
@@ -11007,7 +11010,7 @@
               </a:ln>
               <a:extLst>
                 <a:ext uri="{91240B29-F687-4f45-9708-019B960494DF}">
-                  <a14:hiddenLine xmlns:a14="http://schemas.microsoft.com/office/drawing/2010/main" xmlns="" w="9525">
+                  <a14:hiddenLine xmlns="" xmlns:a14="http://schemas.microsoft.com/office/drawing/2010/main" w="9525">
                     <a:solidFill>
                       <a:srgbClr val="000000"/>
                     </a:solidFill>
@@ -11088,7 +11091,7 @@
               </a:ln>
               <a:extLst>
                 <a:ext uri="{91240B29-F687-4f45-9708-019B960494DF}">
-                  <a14:hiddenLine xmlns:a14="http://schemas.microsoft.com/office/drawing/2010/main" xmlns="" w="9525">
+                  <a14:hiddenLine xmlns="" xmlns:a14="http://schemas.microsoft.com/office/drawing/2010/main" w="9525">
                     <a:solidFill>
                       <a:srgbClr val="000000"/>
                     </a:solidFill>
@@ -11203,7 +11206,7 @@
               </a:ln>
               <a:extLst>
                 <a:ext uri="{91240B29-F687-4f45-9708-019B960494DF}">
-                  <a14:hiddenLine xmlns:a14="http://schemas.microsoft.com/office/drawing/2010/main" xmlns="" w="9525">
+                  <a14:hiddenLine xmlns="" xmlns:a14="http://schemas.microsoft.com/office/drawing/2010/main" w="9525">
                     <a:solidFill>
                       <a:srgbClr val="000000"/>
                     </a:solidFill>
@@ -11293,7 +11296,7 @@
               </a:ln>
               <a:extLst>
                 <a:ext uri="{91240B29-F687-4f45-9708-019B960494DF}">
-                  <a14:hiddenLine xmlns:a14="http://schemas.microsoft.com/office/drawing/2010/main" xmlns="" w="9525">
+                  <a14:hiddenLine xmlns="" xmlns:a14="http://schemas.microsoft.com/office/drawing/2010/main" w="9525">
                     <a:solidFill>
                       <a:srgbClr val="000000"/>
                     </a:solidFill>
@@ -11358,7 +11361,7 @@
               </a:ln>
               <a:extLst>
                 <a:ext uri="{91240B29-F687-4f45-9708-019B960494DF}">
-                  <a14:hiddenLine xmlns:a14="http://schemas.microsoft.com/office/drawing/2010/main" xmlns="" w="9525">
+                  <a14:hiddenLine xmlns="" xmlns:a14="http://schemas.microsoft.com/office/drawing/2010/main" w="9525">
                     <a:solidFill>
                       <a:srgbClr val="000000"/>
                     </a:solidFill>
@@ -11448,7 +11451,7 @@
               </a:ln>
               <a:extLst>
                 <a:ext uri="{91240B29-F687-4f45-9708-019B960494DF}">
-                  <a14:hiddenLine xmlns:a14="http://schemas.microsoft.com/office/drawing/2010/main" xmlns="" w="9525">
+                  <a14:hiddenLine xmlns="" xmlns:a14="http://schemas.microsoft.com/office/drawing/2010/main" w="9525">
                     <a:solidFill>
                       <a:srgbClr val="000000"/>
                     </a:solidFill>
@@ -11516,7 +11519,7 @@
               </a:ln>
               <a:extLst>
                 <a:ext uri="{91240B29-F687-4f45-9708-019B960494DF}">
-                  <a14:hiddenLine xmlns:a14="http://schemas.microsoft.com/office/drawing/2010/main" xmlns="" w="9525">
+                  <a14:hiddenLine xmlns="" xmlns:a14="http://schemas.microsoft.com/office/drawing/2010/main" w="9525">
                     <a:solidFill>
                       <a:srgbClr val="000000"/>
                     </a:solidFill>
@@ -11606,7 +11609,7 @@
               </a:ln>
               <a:extLst>
                 <a:ext uri="{91240B29-F687-4f45-9708-019B960494DF}">
-                  <a14:hiddenLine xmlns:a14="http://schemas.microsoft.com/office/drawing/2010/main" xmlns="" w="9525">
+                  <a14:hiddenLine xmlns="" xmlns:a14="http://schemas.microsoft.com/office/drawing/2010/main" w="9525">
                     <a:solidFill>
                       <a:srgbClr val="000000"/>
                     </a:solidFill>
@@ -11674,7 +11677,7 @@
               </a:ln>
               <a:extLst>
                 <a:ext uri="{91240B29-F687-4f45-9708-019B960494DF}">
-                  <a14:hiddenLine xmlns:a14="http://schemas.microsoft.com/office/drawing/2010/main" xmlns="" w="9525">
+                  <a14:hiddenLine xmlns="" xmlns:a14="http://schemas.microsoft.com/office/drawing/2010/main" w="9525">
                     <a:solidFill>
                       <a:srgbClr val="000000"/>
                     </a:solidFill>
@@ -11764,7 +11767,7 @@
               </a:ln>
               <a:extLst>
                 <a:ext uri="{91240B29-F687-4f45-9708-019B960494DF}">
-                  <a14:hiddenLine xmlns:a14="http://schemas.microsoft.com/office/drawing/2010/main" xmlns="" w="9525">
+                  <a14:hiddenLine xmlns="" xmlns:a14="http://schemas.microsoft.com/office/drawing/2010/main" w="9525">
                     <a:solidFill>
                       <a:srgbClr val="000000"/>
                     </a:solidFill>
@@ -11798,7 +11801,7 @@
               </a:ln>
               <a:extLst>
                 <a:ext uri="{91240B29-F687-4f45-9708-019B960494DF}">
-                  <a14:hiddenLine xmlns:a14="http://schemas.microsoft.com/office/drawing/2010/main" xmlns="" w="9525">
+                  <a14:hiddenLine xmlns="" xmlns:a14="http://schemas.microsoft.com/office/drawing/2010/main" w="9525">
                     <a:solidFill>
                       <a:srgbClr val="000000"/>
                     </a:solidFill>
@@ -11939,7 +11942,7 @@
             <a:fld id="{48A87A34-81AB-432B-8DAE-1953F412C126}" type="datetimeFigureOut">
               <a:rPr lang="en-US" dirty="0"/>
               <a:pPr/>
-              <a:t>3/31/2022</a:t>
+              <a:t>4/2/2022</a:t>
             </a:fld>
             <a:endParaRPr lang="en-US" dirty="0"/>
           </a:p>
@@ -12648,127 +12651,40 @@
           <a:chExt cx="0" cy="0"/>
         </a:xfrm>
       </p:grpSpPr>
-      <p:sp>
-        <p:nvSpPr>
-          <p:cNvPr id="8" name="Título 7">
+      <p:pic>
+        <p:nvPicPr>
+          <p:cNvPr id="4" name="Imagem 3" descr="Linha do tempo&#10;&#10;Descrição gerada automaticamente">
             <a:extLst>
               <a:ext uri="{FF2B5EF4-FFF2-40B4-BE49-F238E27FC236}">
-                <a16:creationId xmlns:a16="http://schemas.microsoft.com/office/drawing/2014/main" id="{F83C90F1-CEB0-4FEE-AAB6-91AB11B93433}"/>
+                <a16:creationId xmlns:a16="http://schemas.microsoft.com/office/drawing/2014/main" id="{5C6CA495-9AAC-4823-A45E-E6DEE700FD39}"/>
               </a:ext>
             </a:extLst>
           </p:cNvPr>
-          <p:cNvSpPr>
-            <a:spLocks noGrp="1"/>
-          </p:cNvSpPr>
-          <p:nvPr>
-            <p:ph type="ctrTitle"/>
-          </p:nvPr>
-        </p:nvSpPr>
+          <p:cNvPicPr>
+            <a:picLocks noChangeAspect="1"/>
+          </p:cNvPicPr>
+          <p:nvPr/>
+        </p:nvPicPr>
+        <p:blipFill>
+          <a:blip r:embed="rId4"/>
+          <a:stretch>
+            <a:fillRect/>
+          </a:stretch>
+        </p:blipFill>
         <p:spPr>
           <a:xfrm>
-            <a:off x="1700212" y="390977"/>
-            <a:ext cx="8791575" cy="1051435"/>
-          </a:xfrm>
-        </p:spPr>
-        <p:txBody>
-          <a:bodyPr/>
-          <a:lstStyle/>
-          <a:p>
-            <a:pPr algn="ctr"/>
-            <a:r>
-              <a:rPr lang="pt-BR" sz="4800" b="0" i="0" dirty="0">
-                <a:effectLst/>
-                <a:latin typeface="Amasis MT Pro Black" panose="020B0604020202020204" pitchFamily="18" charset="0"/>
-                <a:cs typeface="Aharoni" panose="02010803020104030203" pitchFamily="2" charset="-79"/>
-              </a:rPr>
-              <a:t>EQUIPE NECESSÁRIA</a:t>
-            </a:r>
-            <a:endParaRPr lang="pt-BR" dirty="0">
-              <a:latin typeface="Amasis MT Pro Black" panose="020B0604020202020204" pitchFamily="18" charset="0"/>
-              <a:cs typeface="Aharoni" panose="02010803020104030203" pitchFamily="2" charset="-79"/>
-            </a:endParaRPr>
-          </a:p>
-        </p:txBody>
-      </p:sp>
-      <p:sp>
-        <p:nvSpPr>
-          <p:cNvPr id="3" name="CaixaDeTexto 2">
-            <a:extLst>
-              <a:ext uri="{FF2B5EF4-FFF2-40B4-BE49-F238E27FC236}">
-                <a16:creationId xmlns:a16="http://schemas.microsoft.com/office/drawing/2014/main" id="{28928580-EA2B-4BC5-843C-A71C01C988D2}"/>
-              </a:ext>
-            </a:extLst>
-          </p:cNvPr>
-          <p:cNvSpPr txBox="1"/>
-          <p:nvPr/>
-        </p:nvSpPr>
-        <p:spPr>
-          <a:xfrm>
-            <a:off x="2779142" y="2682812"/>
-            <a:ext cx="6633714" cy="1754326"/>
+            <a:off x="1524000" y="0"/>
+            <a:ext cx="9144000" cy="6858000"/>
           </a:xfrm>
           <a:prstGeom prst="rect">
             <a:avLst/>
           </a:prstGeom>
-          <a:noFill/>
         </p:spPr>
-        <p:txBody>
-          <a:bodyPr wrap="square" rtlCol="0">
-            <a:spAutoFit/>
-          </a:bodyPr>
-          <a:lstStyle/>
-          <a:p>
-            <a:pPr algn="ctr"/>
-            <a:r>
-              <a:rPr lang="pt-BR" sz="3600" b="0" i="0" dirty="0">
-                <a:effectLst/>
-                <a:latin typeface="Aharoni" panose="02010803020104030203" pitchFamily="2" charset="-79"/>
-                <a:cs typeface="Aharoni" panose="02010803020104030203" pitchFamily="2" charset="-79"/>
-              </a:rPr>
-              <a:t>Programador</a:t>
-            </a:r>
-            <a:r>
-              <a:rPr lang="pt-BR" sz="3600" dirty="0">
-                <a:latin typeface="Aharoni" panose="02010803020104030203" pitchFamily="2" charset="-79"/>
-                <a:cs typeface="Aharoni" panose="02010803020104030203" pitchFamily="2" charset="-79"/>
-              </a:rPr>
-              <a:t>;</a:t>
-            </a:r>
-            <a:r>
-              <a:rPr lang="pt-BR" sz="3600" b="0" i="0" dirty="0">
-                <a:effectLst/>
-                <a:latin typeface="Aharoni" panose="02010803020104030203" pitchFamily="2" charset="-79"/>
-                <a:cs typeface="Aharoni" panose="02010803020104030203" pitchFamily="2" charset="-79"/>
-              </a:rPr>
-              <a:t> ilustrador; animador; game designer; </a:t>
-            </a:r>
-            <a:r>
-              <a:rPr lang="pt-BR" sz="3600" b="0" i="0" dirty="0" err="1">
-                <a:effectLst/>
-                <a:latin typeface="Aharoni" panose="02010803020104030203" pitchFamily="2" charset="-79"/>
-                <a:cs typeface="Aharoni" panose="02010803020104030203" pitchFamily="2" charset="-79"/>
-              </a:rPr>
-              <a:t>Sound</a:t>
-            </a:r>
-            <a:r>
-              <a:rPr lang="pt-BR" sz="3600" b="0" i="0" dirty="0">
-                <a:effectLst/>
-                <a:latin typeface="Aharoni" panose="02010803020104030203" pitchFamily="2" charset="-79"/>
-                <a:cs typeface="Aharoni" panose="02010803020104030203" pitchFamily="2" charset="-79"/>
-              </a:rPr>
-              <a:t> Designer; roteirista.</a:t>
-            </a:r>
-            <a:endParaRPr lang="pt-BR" sz="3600" dirty="0">
-              <a:latin typeface="Aharoni" panose="02010803020104030203" pitchFamily="2" charset="-79"/>
-              <a:cs typeface="Aharoni" panose="02010803020104030203" pitchFamily="2" charset="-79"/>
-            </a:endParaRPr>
-          </a:p>
-        </p:txBody>
-      </p:sp>
+      </p:pic>
     </p:spTree>
     <p:extLst>
       <p:ext uri="{BB962C8B-B14F-4D97-AF65-F5344CB8AC3E}">
-        <p14:creationId xmlns:p14="http://schemas.microsoft.com/office/powerpoint/2010/main" val="3165262853"/>
+        <p14:creationId xmlns:p14="http://schemas.microsoft.com/office/powerpoint/2010/main" val="837096407"/>
       </p:ext>
     </p:extLst>
   </p:cSld>
@@ -12779,6 +12695,186 @@
 </file>
 
 <file path=ppt/slides/slide11.xml><?xml version="1.0" encoding="utf-8"?>
+<p:sld xmlns:a="http://schemas.openxmlformats.org/drawingml/2006/main" xmlns:r="http://schemas.openxmlformats.org/officeDocument/2006/relationships" xmlns:p="http://schemas.openxmlformats.org/presentationml/2006/main" showMasterSp="0">
+  <p:cSld>
+    <p:bg>
+      <p:bgPr>
+        <a:blipFill dpi="0" rotWithShape="1">
+          <a:blip r:embed="rId2">
+            <a:extLst>
+              <a:ext uri="{BEBA8EAE-BF5A-486C-A8C5-ECC9F3942E4B}">
+                <a14:imgProps xmlns:a14="http://schemas.microsoft.com/office/drawing/2010/main">
+                  <a14:imgLayer r:embed="rId3">
+                    <a14:imgEffect>
+                      <a14:artisticMarker size="100"/>
+                    </a14:imgEffect>
+                    <a14:imgEffect>
+                      <a14:sharpenSoften amount="-54000"/>
+                    </a14:imgEffect>
+                    <a14:imgEffect>
+                      <a14:brightnessContrast bright="-10000" contrast="-6000"/>
+                    </a14:imgEffect>
+                  </a14:imgLayer>
+                </a14:imgProps>
+              </a:ext>
+            </a:extLst>
+          </a:blip>
+          <a:srcRect/>
+          <a:stretch>
+            <a:fillRect/>
+          </a:stretch>
+        </a:blipFill>
+        <a:effectLst/>
+      </p:bgPr>
+    </p:bg>
+    <p:spTree>
+      <p:nvGrpSpPr>
+        <p:cNvPr id="1" name=""/>
+        <p:cNvGrpSpPr/>
+        <p:nvPr/>
+      </p:nvGrpSpPr>
+      <p:grpSpPr>
+        <a:xfrm>
+          <a:off x="0" y="0"/>
+          <a:ext cx="0" cy="0"/>
+          <a:chOff x="0" y="0"/>
+          <a:chExt cx="0" cy="0"/>
+        </a:xfrm>
+      </p:grpSpPr>
+      <p:pic>
+        <p:nvPicPr>
+          <p:cNvPr id="3" name="Imagem 2" descr="Linha do tempo&#10;&#10;Descrição gerada automaticamente">
+            <a:extLst>
+              <a:ext uri="{FF2B5EF4-FFF2-40B4-BE49-F238E27FC236}">
+                <a16:creationId xmlns:a16="http://schemas.microsoft.com/office/drawing/2014/main" id="{5C5A609A-EDE7-479B-B69D-4E19C637D194}"/>
+              </a:ext>
+            </a:extLst>
+          </p:cNvPr>
+          <p:cNvPicPr>
+            <a:picLocks noChangeAspect="1"/>
+          </p:cNvPicPr>
+          <p:nvPr/>
+        </p:nvPicPr>
+        <p:blipFill>
+          <a:blip r:embed="rId4"/>
+          <a:stretch>
+            <a:fillRect/>
+          </a:stretch>
+        </p:blipFill>
+        <p:spPr>
+          <a:xfrm>
+            <a:off x="1524000" y="0"/>
+            <a:ext cx="9144000" cy="6858000"/>
+          </a:xfrm>
+          <a:prstGeom prst="rect">
+            <a:avLst/>
+          </a:prstGeom>
+        </p:spPr>
+      </p:pic>
+    </p:spTree>
+    <p:extLst>
+      <p:ext uri="{BB962C8B-B14F-4D97-AF65-F5344CB8AC3E}">
+        <p14:creationId xmlns:p14="http://schemas.microsoft.com/office/powerpoint/2010/main" val="858313244"/>
+      </p:ext>
+    </p:extLst>
+  </p:cSld>
+  <p:clrMapOvr>
+    <a:masterClrMapping/>
+  </p:clrMapOvr>
+</p:sld>
+</file>
+
+<file path=ppt/slides/slide12.xml><?xml version="1.0" encoding="utf-8"?>
+<p:sld xmlns:a="http://schemas.openxmlformats.org/drawingml/2006/main" xmlns:r="http://schemas.openxmlformats.org/officeDocument/2006/relationships" xmlns:p="http://schemas.openxmlformats.org/presentationml/2006/main" showMasterSp="0">
+  <p:cSld>
+    <p:bg>
+      <p:bgPr>
+        <a:blipFill dpi="0" rotWithShape="1">
+          <a:blip r:embed="rId2">
+            <a:extLst>
+              <a:ext uri="{BEBA8EAE-BF5A-486C-A8C5-ECC9F3942E4B}">
+                <a14:imgProps xmlns:a14="http://schemas.microsoft.com/office/drawing/2010/main">
+                  <a14:imgLayer r:embed="rId3">
+                    <a14:imgEffect>
+                      <a14:artisticMarker size="100"/>
+                    </a14:imgEffect>
+                    <a14:imgEffect>
+                      <a14:sharpenSoften amount="-54000"/>
+                    </a14:imgEffect>
+                    <a14:imgEffect>
+                      <a14:brightnessContrast bright="-10000" contrast="-6000"/>
+                    </a14:imgEffect>
+                  </a14:imgLayer>
+                </a14:imgProps>
+              </a:ext>
+            </a:extLst>
+          </a:blip>
+          <a:srcRect/>
+          <a:stretch>
+            <a:fillRect/>
+          </a:stretch>
+        </a:blipFill>
+        <a:effectLst/>
+      </p:bgPr>
+    </p:bg>
+    <p:spTree>
+      <p:nvGrpSpPr>
+        <p:cNvPr id="1" name=""/>
+        <p:cNvGrpSpPr/>
+        <p:nvPr/>
+      </p:nvGrpSpPr>
+      <p:grpSpPr>
+        <a:xfrm>
+          <a:off x="0" y="0"/>
+          <a:ext cx="0" cy="0"/>
+          <a:chOff x="0" y="0"/>
+          <a:chExt cx="0" cy="0"/>
+        </a:xfrm>
+      </p:grpSpPr>
+      <p:pic>
+        <p:nvPicPr>
+          <p:cNvPr id="6" name="Imagem 5" descr="Linha do tempo&#10;&#10;Descrição gerada automaticamente com confiança média">
+            <a:extLst>
+              <a:ext uri="{FF2B5EF4-FFF2-40B4-BE49-F238E27FC236}">
+                <a16:creationId xmlns:a16="http://schemas.microsoft.com/office/drawing/2014/main" id="{59F5D5EF-17C9-4463-8A51-A2C854A66601}"/>
+              </a:ext>
+            </a:extLst>
+          </p:cNvPr>
+          <p:cNvPicPr>
+            <a:picLocks noChangeAspect="1"/>
+          </p:cNvPicPr>
+          <p:nvPr/>
+        </p:nvPicPr>
+        <p:blipFill>
+          <a:blip r:embed="rId4"/>
+          <a:stretch>
+            <a:fillRect/>
+          </a:stretch>
+        </p:blipFill>
+        <p:spPr>
+          <a:xfrm>
+            <a:off x="1524000" y="0"/>
+            <a:ext cx="9144000" cy="6858000"/>
+          </a:xfrm>
+          <a:prstGeom prst="rect">
+            <a:avLst/>
+          </a:prstGeom>
+        </p:spPr>
+      </p:pic>
+    </p:spTree>
+    <p:extLst>
+      <p:ext uri="{BB962C8B-B14F-4D97-AF65-F5344CB8AC3E}">
+        <p14:creationId xmlns:p14="http://schemas.microsoft.com/office/powerpoint/2010/main" val="3599768081"/>
+      </p:ext>
+    </p:extLst>
+  </p:cSld>
+  <p:clrMapOvr>
+    <a:masterClrMapping/>
+  </p:clrMapOvr>
+</p:sld>
+</file>
+
+<file path=ppt/slides/slide13.xml><?xml version="1.0" encoding="utf-8"?>
 <p:sld xmlns:a="http://schemas.openxmlformats.org/drawingml/2006/main" xmlns:r="http://schemas.openxmlformats.org/officeDocument/2006/relationships" xmlns:p="http://schemas.openxmlformats.org/presentationml/2006/main" showMasterSp="0">
   <p:cSld>
     <p:bg>
@@ -12853,6 +12949,183 @@
           <a:p>
             <a:pPr algn="ctr"/>
             <a:r>
+              <a:rPr lang="pt-BR" sz="4800" b="0" i="0" dirty="0">
+                <a:effectLst/>
+                <a:latin typeface="Amasis MT Pro Black" panose="020B0604020202020204" pitchFamily="18" charset="0"/>
+                <a:cs typeface="Aharoni" panose="02010803020104030203" pitchFamily="2" charset="-79"/>
+              </a:rPr>
+              <a:t>EQUIPE NECESSÁRIA</a:t>
+            </a:r>
+            <a:endParaRPr lang="pt-BR" dirty="0">
+              <a:latin typeface="Amasis MT Pro Black" panose="020B0604020202020204" pitchFamily="18" charset="0"/>
+              <a:cs typeface="Aharoni" panose="02010803020104030203" pitchFamily="2" charset="-79"/>
+            </a:endParaRPr>
+          </a:p>
+        </p:txBody>
+      </p:sp>
+      <p:sp>
+        <p:nvSpPr>
+          <p:cNvPr id="3" name="CaixaDeTexto 2">
+            <a:extLst>
+              <a:ext uri="{FF2B5EF4-FFF2-40B4-BE49-F238E27FC236}">
+                <a16:creationId xmlns:a16="http://schemas.microsoft.com/office/drawing/2014/main" id="{28928580-EA2B-4BC5-843C-A71C01C988D2}"/>
+              </a:ext>
+            </a:extLst>
+          </p:cNvPr>
+          <p:cNvSpPr txBox="1"/>
+          <p:nvPr/>
+        </p:nvSpPr>
+        <p:spPr>
+          <a:xfrm>
+            <a:off x="2779142" y="2682812"/>
+            <a:ext cx="6633714" cy="1754326"/>
+          </a:xfrm>
+          <a:prstGeom prst="rect">
+            <a:avLst/>
+          </a:prstGeom>
+          <a:noFill/>
+        </p:spPr>
+        <p:txBody>
+          <a:bodyPr wrap="square" rtlCol="0">
+            <a:spAutoFit/>
+          </a:bodyPr>
+          <a:lstStyle/>
+          <a:p>
+            <a:pPr algn="ctr"/>
+            <a:r>
+              <a:rPr lang="pt-BR" sz="3600" b="0" i="0" dirty="0">
+                <a:effectLst/>
+                <a:latin typeface="Aharoni" panose="02010803020104030203" pitchFamily="2" charset="-79"/>
+                <a:cs typeface="Aharoni" panose="02010803020104030203" pitchFamily="2" charset="-79"/>
+              </a:rPr>
+              <a:t>Programador</a:t>
+            </a:r>
+            <a:r>
+              <a:rPr lang="pt-BR" sz="3600" dirty="0">
+                <a:latin typeface="Aharoni" panose="02010803020104030203" pitchFamily="2" charset="-79"/>
+                <a:cs typeface="Aharoni" panose="02010803020104030203" pitchFamily="2" charset="-79"/>
+              </a:rPr>
+              <a:t>;</a:t>
+            </a:r>
+            <a:r>
+              <a:rPr lang="pt-BR" sz="3600" b="0" i="0" dirty="0">
+                <a:effectLst/>
+                <a:latin typeface="Aharoni" panose="02010803020104030203" pitchFamily="2" charset="-79"/>
+                <a:cs typeface="Aharoni" panose="02010803020104030203" pitchFamily="2" charset="-79"/>
+              </a:rPr>
+              <a:t> ilustrador; animador; game designer; </a:t>
+            </a:r>
+            <a:r>
+              <a:rPr lang="pt-BR" sz="3600" b="0" i="0" dirty="0" err="1">
+                <a:effectLst/>
+                <a:latin typeface="Aharoni" panose="02010803020104030203" pitchFamily="2" charset="-79"/>
+                <a:cs typeface="Aharoni" panose="02010803020104030203" pitchFamily="2" charset="-79"/>
+              </a:rPr>
+              <a:t>Sound</a:t>
+            </a:r>
+            <a:r>
+              <a:rPr lang="pt-BR" sz="3600" b="0" i="0" dirty="0">
+                <a:effectLst/>
+                <a:latin typeface="Aharoni" panose="02010803020104030203" pitchFamily="2" charset="-79"/>
+                <a:cs typeface="Aharoni" panose="02010803020104030203" pitchFamily="2" charset="-79"/>
+              </a:rPr>
+              <a:t> Designer; roteirista.</a:t>
+            </a:r>
+            <a:endParaRPr lang="pt-BR" sz="3600" dirty="0">
+              <a:latin typeface="Aharoni" panose="02010803020104030203" pitchFamily="2" charset="-79"/>
+              <a:cs typeface="Aharoni" panose="02010803020104030203" pitchFamily="2" charset="-79"/>
+            </a:endParaRPr>
+          </a:p>
+        </p:txBody>
+      </p:sp>
+    </p:spTree>
+    <p:extLst>
+      <p:ext uri="{BB962C8B-B14F-4D97-AF65-F5344CB8AC3E}">
+        <p14:creationId xmlns:p14="http://schemas.microsoft.com/office/powerpoint/2010/main" val="3165262853"/>
+      </p:ext>
+    </p:extLst>
+  </p:cSld>
+  <p:clrMapOvr>
+    <a:masterClrMapping/>
+  </p:clrMapOvr>
+</p:sld>
+</file>
+
+<file path=ppt/slides/slide14.xml><?xml version="1.0" encoding="utf-8"?>
+<p:sld xmlns:a="http://schemas.openxmlformats.org/drawingml/2006/main" xmlns:r="http://schemas.openxmlformats.org/officeDocument/2006/relationships" xmlns:p="http://schemas.openxmlformats.org/presentationml/2006/main" showMasterSp="0">
+  <p:cSld>
+    <p:bg>
+      <p:bgPr>
+        <a:blipFill dpi="0" rotWithShape="1">
+          <a:blip r:embed="rId2">
+            <a:extLst>
+              <a:ext uri="{BEBA8EAE-BF5A-486C-A8C5-ECC9F3942E4B}">
+                <a14:imgProps xmlns:a14="http://schemas.microsoft.com/office/drawing/2010/main">
+                  <a14:imgLayer r:embed="rId3">
+                    <a14:imgEffect>
+                      <a14:artisticMarker size="100"/>
+                    </a14:imgEffect>
+                    <a14:imgEffect>
+                      <a14:sharpenSoften amount="-54000"/>
+                    </a14:imgEffect>
+                    <a14:imgEffect>
+                      <a14:brightnessContrast bright="-10000" contrast="-6000"/>
+                    </a14:imgEffect>
+                  </a14:imgLayer>
+                </a14:imgProps>
+              </a:ext>
+            </a:extLst>
+          </a:blip>
+          <a:srcRect/>
+          <a:stretch>
+            <a:fillRect/>
+          </a:stretch>
+        </a:blipFill>
+        <a:effectLst/>
+      </p:bgPr>
+    </p:bg>
+    <p:spTree>
+      <p:nvGrpSpPr>
+        <p:cNvPr id="1" name=""/>
+        <p:cNvGrpSpPr/>
+        <p:nvPr/>
+      </p:nvGrpSpPr>
+      <p:grpSpPr>
+        <a:xfrm>
+          <a:off x="0" y="0"/>
+          <a:ext cx="0" cy="0"/>
+          <a:chOff x="0" y="0"/>
+          <a:chExt cx="0" cy="0"/>
+        </a:xfrm>
+      </p:grpSpPr>
+      <p:sp>
+        <p:nvSpPr>
+          <p:cNvPr id="8" name="Título 7">
+            <a:extLst>
+              <a:ext uri="{FF2B5EF4-FFF2-40B4-BE49-F238E27FC236}">
+                <a16:creationId xmlns:a16="http://schemas.microsoft.com/office/drawing/2014/main" id="{F83C90F1-CEB0-4FEE-AAB6-91AB11B93433}"/>
+              </a:ext>
+            </a:extLst>
+          </p:cNvPr>
+          <p:cNvSpPr>
+            <a:spLocks noGrp="1"/>
+          </p:cNvSpPr>
+          <p:nvPr>
+            <p:ph type="ctrTitle"/>
+          </p:nvPr>
+        </p:nvSpPr>
+        <p:spPr>
+          <a:xfrm>
+            <a:off x="1700212" y="390977"/>
+            <a:ext cx="8791575" cy="1051435"/>
+          </a:xfrm>
+        </p:spPr>
+        <p:txBody>
+          <a:bodyPr/>
+          <a:lstStyle/>
+          <a:p>
+            <a:pPr algn="ctr"/>
+            <a:r>
               <a:rPr lang="pt-BR" dirty="0">
                 <a:latin typeface="Amasis MT Pro Black" panose="020B0604020202020204" pitchFamily="18" charset="0"/>
                 <a:cs typeface="Aharoni" panose="02010803020104030203" pitchFamily="2" charset="-79"/>
@@ -12905,7 +13178,7 @@
 </p:sld>
 </file>
 
-<file path=ppt/slides/slide12.xml><?xml version="1.0" encoding="utf-8"?>
+<file path=ppt/slides/slide15.xml><?xml version="1.0" encoding="utf-8"?>
 <p:sld xmlns:a="http://schemas.openxmlformats.org/drawingml/2006/main" xmlns:r="http://schemas.openxmlformats.org/officeDocument/2006/relationships" xmlns:p="http://schemas.openxmlformats.org/presentationml/2006/main" showMasterSp="0">
   <p:cSld>
     <p:bg>
@@ -13461,12 +13734,12 @@
           <a:p>
             <a:pPr algn="ctr"/>
             <a:r>
-              <a:rPr lang="pt-BR" sz="4800" b="0" i="0" dirty="0" err="1">
+              <a:rPr lang="pt-BR" sz="4800" b="0" i="0" dirty="0">
                 <a:effectLst/>
                 <a:latin typeface="Amasis MT Pro Black" panose="020B0604020202020204" pitchFamily="18" charset="0"/>
                 <a:cs typeface="Aharoni" panose="02010803020104030203" pitchFamily="2" charset="-79"/>
               </a:rPr>
-              <a:t>mecÂnicas</a:t>
+              <a:t>mecânicas</a:t>
             </a:r>
             <a:endParaRPr lang="pt-BR" dirty="0">
               <a:latin typeface="Amasis MT Pro Black" panose="020B0604020202020204" pitchFamily="18" charset="0"/>
@@ -14340,48 +14613,36 @@
           <a:chExt cx="0" cy="0"/>
         </a:xfrm>
       </p:grpSpPr>
-      <p:sp>
-        <p:nvSpPr>
-          <p:cNvPr id="8" name="Título 7">
+      <p:pic>
+        <p:nvPicPr>
+          <p:cNvPr id="3" name="Imagem 2" descr="Uma imagem contendo Gráfico&#10;&#10;Descrição gerada automaticamente">
             <a:extLst>
               <a:ext uri="{FF2B5EF4-FFF2-40B4-BE49-F238E27FC236}">
-                <a16:creationId xmlns:a16="http://schemas.microsoft.com/office/drawing/2014/main" id="{F83C90F1-CEB0-4FEE-AAB6-91AB11B93433}"/>
+                <a16:creationId xmlns:a16="http://schemas.microsoft.com/office/drawing/2014/main" id="{F7AD4981-A253-44BA-A02F-608B3D4C8485}"/>
               </a:ext>
             </a:extLst>
           </p:cNvPr>
-          <p:cNvSpPr>
-            <a:spLocks noGrp="1"/>
-          </p:cNvSpPr>
-          <p:nvPr>
-            <p:ph type="ctrTitle"/>
-          </p:nvPr>
-        </p:nvSpPr>
+          <p:cNvPicPr>
+            <a:picLocks noChangeAspect="1"/>
+          </p:cNvPicPr>
+          <p:nvPr/>
+        </p:nvPicPr>
+        <p:blipFill>
+          <a:blip r:embed="rId4"/>
+          <a:stretch>
+            <a:fillRect/>
+          </a:stretch>
+        </p:blipFill>
         <p:spPr>
           <a:xfrm>
-            <a:off x="1700212" y="390977"/>
-            <a:ext cx="8791575" cy="1051435"/>
+            <a:off x="1712343" y="141257"/>
+            <a:ext cx="8767313" cy="6575485"/>
           </a:xfrm>
+          <a:prstGeom prst="rect">
+            <a:avLst/>
+          </a:prstGeom>
         </p:spPr>
-        <p:txBody>
-          <a:bodyPr/>
-          <a:lstStyle/>
-          <a:p>
-            <a:pPr algn="ctr"/>
-            <a:r>
-              <a:rPr lang="pt-BR" sz="4800" b="0" i="0" dirty="0">
-                <a:effectLst/>
-                <a:latin typeface="Amasis MT Pro Black" panose="020B0604020202020204" pitchFamily="18" charset="0"/>
-                <a:cs typeface="Aharoni" panose="02010803020104030203" pitchFamily="2" charset="-79"/>
-              </a:rPr>
-              <a:t>CRONOGRAMA</a:t>
-            </a:r>
-            <a:endParaRPr lang="pt-BR" dirty="0">
-              <a:latin typeface="Amasis MT Pro Black" panose="020B0604020202020204" pitchFamily="18" charset="0"/>
-              <a:cs typeface="Aharoni" panose="02010803020104030203" pitchFamily="2" charset="-79"/>
-            </a:endParaRPr>
-          </a:p>
-        </p:txBody>
-      </p:sp>
+      </p:pic>
     </p:spTree>
     <p:extLst>
       <p:ext uri="{BB962C8B-B14F-4D97-AF65-F5344CB8AC3E}">

--- a/Documentação/Our_Last_Goodbye.pptx
+++ b/Documentação/Our_Last_Goodbye.pptx
@@ -183,7 +183,7 @@
           <a:noFill/>
           <a:extLst>
             <a:ext uri="{909E8E84-426E-40dd-AFC4-6F175D3DCCD1}">
-              <a14:hiddenFill xmlns="" xmlns:a14="http://schemas.microsoft.com/office/drawing/2010/main">
+              <a14:hiddenFill xmlns:a14="http://schemas.microsoft.com/office/drawing/2010/main" xmlns="">
                 <a:solidFill>
                   <a:srgbClr val="FFFFFF"/>
                 </a:solidFill>
@@ -242,7 +242,7 @@
             </a:ln>
             <a:extLst>
               <a:ext uri="{91240B29-F687-4f45-9708-019B960494DF}">
-                <a14:hiddenLine xmlns="" xmlns:a14="http://schemas.microsoft.com/office/drawing/2010/main" w="9525">
+                <a14:hiddenLine xmlns:a14="http://schemas.microsoft.com/office/drawing/2010/main" xmlns="" w="9525">
                   <a:solidFill>
                     <a:srgbClr val="000000"/>
                   </a:solidFill>
@@ -332,7 +332,7 @@
             </a:ln>
             <a:extLst>
               <a:ext uri="{91240B29-F687-4f45-9708-019B960494DF}">
-                <a14:hiddenLine xmlns="" xmlns:a14="http://schemas.microsoft.com/office/drawing/2010/main" w="9525">
+                <a14:hiddenLine xmlns:a14="http://schemas.microsoft.com/office/drawing/2010/main" xmlns="" w="9525">
                   <a:solidFill>
                     <a:srgbClr val="000000"/>
                   </a:solidFill>
@@ -422,7 +422,7 @@
             </a:ln>
             <a:extLst>
               <a:ext uri="{91240B29-F687-4f45-9708-019B960494DF}">
-                <a14:hiddenLine xmlns="" xmlns:a14="http://schemas.microsoft.com/office/drawing/2010/main" w="9525">
+                <a14:hiddenLine xmlns:a14="http://schemas.microsoft.com/office/drawing/2010/main" xmlns="" w="9525">
                   <a:solidFill>
                     <a:srgbClr val="000000"/>
                   </a:solidFill>
@@ -456,7 +456,7 @@
             </a:ln>
             <a:extLst>
               <a:ext uri="{91240B29-F687-4f45-9708-019B960494DF}">
-                <a14:hiddenLine xmlns="" xmlns:a14="http://schemas.microsoft.com/office/drawing/2010/main" w="9525">
+                <a14:hiddenLine xmlns:a14="http://schemas.microsoft.com/office/drawing/2010/main" xmlns="" w="9525">
                   <a:solidFill>
                     <a:srgbClr val="000000"/>
                   </a:solidFill>
@@ -546,7 +546,7 @@
             </a:ln>
             <a:extLst>
               <a:ext uri="{91240B29-F687-4f45-9708-019B960494DF}">
-                <a14:hiddenLine xmlns="" xmlns:a14="http://schemas.microsoft.com/office/drawing/2010/main" w="9525">
+                <a14:hiddenLine xmlns:a14="http://schemas.microsoft.com/office/drawing/2010/main" xmlns="" w="9525">
                   <a:solidFill>
                     <a:srgbClr val="000000"/>
                   </a:solidFill>
@@ -608,7 +608,7 @@
             </a:ln>
             <a:extLst>
               <a:ext uri="{91240B29-F687-4f45-9708-019B960494DF}">
-                <a14:hiddenLine xmlns="" xmlns:a14="http://schemas.microsoft.com/office/drawing/2010/main" w="9525">
+                <a14:hiddenLine xmlns:a14="http://schemas.microsoft.com/office/drawing/2010/main" xmlns="" w="9525">
                   <a:solidFill>
                     <a:srgbClr val="000000"/>
                   </a:solidFill>
@@ -670,7 +670,7 @@
             </a:ln>
             <a:extLst>
               <a:ext uri="{91240B29-F687-4f45-9708-019B960494DF}">
-                <a14:hiddenLine xmlns="" xmlns:a14="http://schemas.microsoft.com/office/drawing/2010/main" w="9525">
+                <a14:hiddenLine xmlns:a14="http://schemas.microsoft.com/office/drawing/2010/main" xmlns="" w="9525">
                   <a:solidFill>
                     <a:srgbClr val="000000"/>
                   </a:solidFill>
@@ -760,7 +760,7 @@
             </a:ln>
             <a:extLst>
               <a:ext uri="{91240B29-F687-4f45-9708-019B960494DF}">
-                <a14:hiddenLine xmlns="" xmlns:a14="http://schemas.microsoft.com/office/drawing/2010/main" w="9525">
+                <a14:hiddenLine xmlns:a14="http://schemas.microsoft.com/office/drawing/2010/main" xmlns="" w="9525">
                   <a:solidFill>
                     <a:srgbClr val="000000"/>
                   </a:solidFill>
@@ -822,7 +822,7 @@
             </a:ln>
             <a:extLst>
               <a:ext uri="{91240B29-F687-4f45-9708-019B960494DF}">
-                <a14:hiddenLine xmlns="" xmlns:a14="http://schemas.microsoft.com/office/drawing/2010/main" w="9525">
+                <a14:hiddenLine xmlns:a14="http://schemas.microsoft.com/office/drawing/2010/main" xmlns="" w="9525">
                   <a:solidFill>
                     <a:srgbClr val="000000"/>
                   </a:solidFill>
@@ -884,7 +884,7 @@
             </a:ln>
             <a:extLst>
               <a:ext uri="{91240B29-F687-4f45-9708-019B960494DF}">
-                <a14:hiddenLine xmlns="" xmlns:a14="http://schemas.microsoft.com/office/drawing/2010/main" w="9525">
+                <a14:hiddenLine xmlns:a14="http://schemas.microsoft.com/office/drawing/2010/main" xmlns="" w="9525">
                   <a:solidFill>
                     <a:srgbClr val="000000"/>
                   </a:solidFill>
@@ -974,7 +974,7 @@
             </a:ln>
             <a:extLst>
               <a:ext uri="{91240B29-F687-4f45-9708-019B960494DF}">
-                <a14:hiddenLine xmlns="" xmlns:a14="http://schemas.microsoft.com/office/drawing/2010/main" w="9525">
+                <a14:hiddenLine xmlns:a14="http://schemas.microsoft.com/office/drawing/2010/main" xmlns="" w="9525">
                   <a:solidFill>
                     <a:srgbClr val="000000"/>
                   </a:solidFill>
@@ -1064,7 +1064,7 @@
             </a:ln>
             <a:extLst>
               <a:ext uri="{91240B29-F687-4f45-9708-019B960494DF}">
-                <a14:hiddenLine xmlns="" xmlns:a14="http://schemas.microsoft.com/office/drawing/2010/main" w="9525">
+                <a14:hiddenLine xmlns:a14="http://schemas.microsoft.com/office/drawing/2010/main" xmlns="" w="9525">
                   <a:solidFill>
                     <a:srgbClr val="000000"/>
                   </a:solidFill>
@@ -1126,7 +1126,7 @@
             </a:ln>
             <a:extLst>
               <a:ext uri="{91240B29-F687-4f45-9708-019B960494DF}">
-                <a14:hiddenLine xmlns="" xmlns:a14="http://schemas.microsoft.com/office/drawing/2010/main" w="9525">
+                <a14:hiddenLine xmlns:a14="http://schemas.microsoft.com/office/drawing/2010/main" xmlns="" w="9525">
                   <a:solidFill>
                     <a:srgbClr val="000000"/>
                   </a:solidFill>
@@ -1236,7 +1236,7 @@
             </a:ln>
             <a:extLst>
               <a:ext uri="{91240B29-F687-4f45-9708-019B960494DF}">
-                <a14:hiddenLine xmlns="" xmlns:a14="http://schemas.microsoft.com/office/drawing/2010/main" w="9525">
+                <a14:hiddenLine xmlns:a14="http://schemas.microsoft.com/office/drawing/2010/main" xmlns="" w="9525">
                   <a:solidFill>
                     <a:srgbClr val="000000"/>
                   </a:solidFill>
@@ -1298,7 +1298,7 @@
             </a:ln>
             <a:extLst>
               <a:ext uri="{91240B29-F687-4f45-9708-019B960494DF}">
-                <a14:hiddenLine xmlns="" xmlns:a14="http://schemas.microsoft.com/office/drawing/2010/main" w="9525">
+                <a14:hiddenLine xmlns:a14="http://schemas.microsoft.com/office/drawing/2010/main" xmlns="" w="9525">
                   <a:solidFill>
                     <a:srgbClr val="000000"/>
                   </a:solidFill>
@@ -1388,7 +1388,7 @@
             </a:ln>
             <a:extLst>
               <a:ext uri="{91240B29-F687-4f45-9708-019B960494DF}">
-                <a14:hiddenLine xmlns="" xmlns:a14="http://schemas.microsoft.com/office/drawing/2010/main" w="9525">
+                <a14:hiddenLine xmlns:a14="http://schemas.microsoft.com/office/drawing/2010/main" xmlns="" w="9525">
                   <a:solidFill>
                     <a:srgbClr val="000000"/>
                   </a:solidFill>
@@ -1478,7 +1478,7 @@
             </a:ln>
             <a:extLst>
               <a:ext uri="{91240B29-F687-4f45-9708-019B960494DF}">
-                <a14:hiddenLine xmlns="" xmlns:a14="http://schemas.microsoft.com/office/drawing/2010/main" w="9525">
+                <a14:hiddenLine xmlns:a14="http://schemas.microsoft.com/office/drawing/2010/main" xmlns="" w="9525">
                   <a:solidFill>
                     <a:srgbClr val="000000"/>
                   </a:solidFill>
@@ -1540,7 +1540,7 @@
             </a:ln>
             <a:extLst>
               <a:ext uri="{91240B29-F687-4f45-9708-019B960494DF}">
-                <a14:hiddenLine xmlns="" xmlns:a14="http://schemas.microsoft.com/office/drawing/2010/main" w="9525">
+                <a14:hiddenLine xmlns:a14="http://schemas.microsoft.com/office/drawing/2010/main" xmlns="" w="9525">
                   <a:solidFill>
                     <a:srgbClr val="000000"/>
                   </a:solidFill>
@@ -1630,7 +1630,7 @@
             </a:ln>
             <a:extLst>
               <a:ext uri="{91240B29-F687-4f45-9708-019B960494DF}">
-                <a14:hiddenLine xmlns="" xmlns:a14="http://schemas.microsoft.com/office/drawing/2010/main" w="9525">
+                <a14:hiddenLine xmlns:a14="http://schemas.microsoft.com/office/drawing/2010/main" xmlns="" w="9525">
                   <a:solidFill>
                     <a:srgbClr val="000000"/>
                   </a:solidFill>
@@ -1720,7 +1720,7 @@
             </a:ln>
             <a:extLst>
               <a:ext uri="{91240B29-F687-4f45-9708-019B960494DF}">
-                <a14:hiddenLine xmlns="" xmlns:a14="http://schemas.microsoft.com/office/drawing/2010/main" w="9525">
+                <a14:hiddenLine xmlns:a14="http://schemas.microsoft.com/office/drawing/2010/main" xmlns="" w="9525">
                   <a:solidFill>
                     <a:srgbClr val="000000"/>
                   </a:solidFill>
@@ -1776,7 +1776,7 @@
             </a:ln>
             <a:extLst>
               <a:ext uri="{91240B29-F687-4f45-9708-019B960494DF}">
-                <a14:hiddenLine xmlns="" xmlns:a14="http://schemas.microsoft.com/office/drawing/2010/main" w="9525">
+                <a14:hiddenLine xmlns:a14="http://schemas.microsoft.com/office/drawing/2010/main" xmlns="" w="9525">
                   <a:solidFill>
                     <a:srgbClr val="000000"/>
                   </a:solidFill>
@@ -1866,7 +1866,7 @@
             </a:ln>
             <a:extLst>
               <a:ext uri="{91240B29-F687-4f45-9708-019B960494DF}">
-                <a14:hiddenLine xmlns="" xmlns:a14="http://schemas.microsoft.com/office/drawing/2010/main" w="9525">
+                <a14:hiddenLine xmlns:a14="http://schemas.microsoft.com/office/drawing/2010/main" xmlns="" w="9525">
                   <a:solidFill>
                     <a:srgbClr val="000000"/>
                   </a:solidFill>
@@ -1922,7 +1922,7 @@
             </a:ln>
             <a:extLst>
               <a:ext uri="{91240B29-F687-4f45-9708-019B960494DF}">
-                <a14:hiddenLine xmlns="" xmlns:a14="http://schemas.microsoft.com/office/drawing/2010/main" w="9525">
+                <a14:hiddenLine xmlns:a14="http://schemas.microsoft.com/office/drawing/2010/main" xmlns="" w="9525">
                   <a:solidFill>
                     <a:srgbClr val="000000"/>
                   </a:solidFill>
@@ -2012,7 +2012,7 @@
             </a:ln>
             <a:extLst>
               <a:ext uri="{91240B29-F687-4f45-9708-019B960494DF}">
-                <a14:hiddenLine xmlns="" xmlns:a14="http://schemas.microsoft.com/office/drawing/2010/main" w="9525">
+                <a14:hiddenLine xmlns:a14="http://schemas.microsoft.com/office/drawing/2010/main" xmlns="" w="9525">
                   <a:solidFill>
                     <a:srgbClr val="000000"/>
                   </a:solidFill>
@@ -2080,7 +2080,7 @@
             </a:ln>
             <a:extLst>
               <a:ext uri="{91240B29-F687-4f45-9708-019B960494DF}">
-                <a14:hiddenLine xmlns="" xmlns:a14="http://schemas.microsoft.com/office/drawing/2010/main" w="9525">
+                <a14:hiddenLine xmlns:a14="http://schemas.microsoft.com/office/drawing/2010/main" xmlns="" w="9525">
                   <a:solidFill>
                     <a:srgbClr val="000000"/>
                   </a:solidFill>
@@ -2170,7 +2170,7 @@
             </a:ln>
             <a:extLst>
               <a:ext uri="{91240B29-F687-4f45-9708-019B960494DF}">
-                <a14:hiddenLine xmlns="" xmlns:a14="http://schemas.microsoft.com/office/drawing/2010/main" w="9525">
+                <a14:hiddenLine xmlns:a14="http://schemas.microsoft.com/office/drawing/2010/main" xmlns="" w="9525">
                   <a:solidFill>
                     <a:srgbClr val="000000"/>
                   </a:solidFill>
@@ -2238,7 +2238,7 @@
             </a:ln>
             <a:extLst>
               <a:ext uri="{91240B29-F687-4f45-9708-019B960494DF}">
-                <a14:hiddenLine xmlns="" xmlns:a14="http://schemas.microsoft.com/office/drawing/2010/main" w="9525">
+                <a14:hiddenLine xmlns:a14="http://schemas.microsoft.com/office/drawing/2010/main" xmlns="" w="9525">
                   <a:solidFill>
                     <a:srgbClr val="000000"/>
                   </a:solidFill>
@@ -2328,7 +2328,7 @@
             </a:ln>
             <a:extLst>
               <a:ext uri="{91240B29-F687-4f45-9708-019B960494DF}">
-                <a14:hiddenLine xmlns="" xmlns:a14="http://schemas.microsoft.com/office/drawing/2010/main" w="9525">
+                <a14:hiddenLine xmlns:a14="http://schemas.microsoft.com/office/drawing/2010/main" xmlns="" w="9525">
                   <a:solidFill>
                     <a:srgbClr val="000000"/>
                   </a:solidFill>
@@ -2362,7 +2362,7 @@
             </a:ln>
             <a:extLst>
               <a:ext uri="{91240B29-F687-4f45-9708-019B960494DF}">
-                <a14:hiddenLine xmlns="" xmlns:a14="http://schemas.microsoft.com/office/drawing/2010/main" w="9525">
+                <a14:hiddenLine xmlns:a14="http://schemas.microsoft.com/office/drawing/2010/main" xmlns="" w="9525">
                   <a:solidFill>
                     <a:srgbClr val="000000"/>
                   </a:solidFill>
@@ -2452,7 +2452,7 @@
             </a:ln>
             <a:extLst>
               <a:ext uri="{91240B29-F687-4f45-9708-019B960494DF}">
-                <a14:hiddenLine xmlns="" xmlns:a14="http://schemas.microsoft.com/office/drawing/2010/main" w="9525">
+                <a14:hiddenLine xmlns:a14="http://schemas.microsoft.com/office/drawing/2010/main" xmlns="" w="9525">
                   <a:solidFill>
                     <a:srgbClr val="000000"/>
                   </a:solidFill>
@@ -2514,7 +2514,7 @@
             </a:ln>
             <a:extLst>
               <a:ext uri="{91240B29-F687-4f45-9708-019B960494DF}">
-                <a14:hiddenLine xmlns="" xmlns:a14="http://schemas.microsoft.com/office/drawing/2010/main" w="9525">
+                <a14:hiddenLine xmlns:a14="http://schemas.microsoft.com/office/drawing/2010/main" xmlns="" w="9525">
                   <a:solidFill>
                     <a:srgbClr val="000000"/>
                   </a:solidFill>
@@ -2576,7 +2576,7 @@
             </a:ln>
             <a:extLst>
               <a:ext uri="{91240B29-F687-4f45-9708-019B960494DF}">
-                <a14:hiddenLine xmlns="" xmlns:a14="http://schemas.microsoft.com/office/drawing/2010/main" w="9525">
+                <a14:hiddenLine xmlns:a14="http://schemas.microsoft.com/office/drawing/2010/main" xmlns="" w="9525">
                   <a:solidFill>
                     <a:srgbClr val="000000"/>
                   </a:solidFill>
@@ -2666,7 +2666,7 @@
             </a:ln>
             <a:extLst>
               <a:ext uri="{91240B29-F687-4f45-9708-019B960494DF}">
-                <a14:hiddenLine xmlns="" xmlns:a14="http://schemas.microsoft.com/office/drawing/2010/main" w="9525">
+                <a14:hiddenLine xmlns:a14="http://schemas.microsoft.com/office/drawing/2010/main" xmlns="" w="9525">
                   <a:solidFill>
                     <a:srgbClr val="000000"/>
                   </a:solidFill>
@@ -2734,7 +2734,7 @@
             </a:ln>
             <a:extLst>
               <a:ext uri="{91240B29-F687-4f45-9708-019B960494DF}">
-                <a14:hiddenLine xmlns="" xmlns:a14="http://schemas.microsoft.com/office/drawing/2010/main" w="9525">
+                <a14:hiddenLine xmlns:a14="http://schemas.microsoft.com/office/drawing/2010/main" xmlns="" w="9525">
                   <a:solidFill>
                     <a:srgbClr val="000000"/>
                   </a:solidFill>
@@ -2796,7 +2796,7 @@
             </a:ln>
             <a:extLst>
               <a:ext uri="{91240B29-F687-4f45-9708-019B960494DF}">
-                <a14:hiddenLine xmlns="" xmlns:a14="http://schemas.microsoft.com/office/drawing/2010/main" w="9525">
+                <a14:hiddenLine xmlns:a14="http://schemas.microsoft.com/office/drawing/2010/main" xmlns="" w="9525">
                   <a:solidFill>
                     <a:srgbClr val="000000"/>
                   </a:solidFill>
@@ -2886,7 +2886,7 @@
             </a:ln>
             <a:extLst>
               <a:ext uri="{91240B29-F687-4f45-9708-019B960494DF}">
-                <a14:hiddenLine xmlns="" xmlns:a14="http://schemas.microsoft.com/office/drawing/2010/main" w="9525">
+                <a14:hiddenLine xmlns:a14="http://schemas.microsoft.com/office/drawing/2010/main" xmlns="" w="9525">
                   <a:solidFill>
                     <a:srgbClr val="000000"/>
                   </a:solidFill>
@@ -2948,7 +2948,7 @@
             </a:ln>
             <a:extLst>
               <a:ext uri="{91240B29-F687-4f45-9708-019B960494DF}">
-                <a14:hiddenLine xmlns="" xmlns:a14="http://schemas.microsoft.com/office/drawing/2010/main" w="9525">
+                <a14:hiddenLine xmlns:a14="http://schemas.microsoft.com/office/drawing/2010/main" xmlns="" w="9525">
                   <a:solidFill>
                     <a:srgbClr val="000000"/>
                   </a:solidFill>
@@ -3038,7 +3038,7 @@
             </a:ln>
             <a:extLst>
               <a:ext uri="{91240B29-F687-4f45-9708-019B960494DF}">
-                <a14:hiddenLine xmlns="" xmlns:a14="http://schemas.microsoft.com/office/drawing/2010/main" w="9525">
+                <a14:hiddenLine xmlns:a14="http://schemas.microsoft.com/office/drawing/2010/main" xmlns="" w="9525">
                   <a:solidFill>
                     <a:srgbClr val="000000"/>
                   </a:solidFill>
@@ -3100,7 +3100,7 @@
             </a:ln>
             <a:extLst>
               <a:ext uri="{91240B29-F687-4f45-9708-019B960494DF}">
-                <a14:hiddenLine xmlns="" xmlns:a14="http://schemas.microsoft.com/office/drawing/2010/main" w="9525">
+                <a14:hiddenLine xmlns:a14="http://schemas.microsoft.com/office/drawing/2010/main" xmlns="" w="9525">
                   <a:solidFill>
                     <a:srgbClr val="000000"/>
                   </a:solidFill>
@@ -3190,7 +3190,7 @@
             </a:ln>
             <a:extLst>
               <a:ext uri="{91240B29-F687-4f45-9708-019B960494DF}">
-                <a14:hiddenLine xmlns="" xmlns:a14="http://schemas.microsoft.com/office/drawing/2010/main" w="9525">
+                <a14:hiddenLine xmlns:a14="http://schemas.microsoft.com/office/drawing/2010/main" xmlns="" w="9525">
                   <a:solidFill>
                     <a:srgbClr val="000000"/>
                   </a:solidFill>
@@ -3224,7 +3224,7 @@
             </a:ln>
             <a:extLst>
               <a:ext uri="{91240B29-F687-4f45-9708-019B960494DF}">
-                <a14:hiddenLine xmlns="" xmlns:a14="http://schemas.microsoft.com/office/drawing/2010/main" w="9525">
+                <a14:hiddenLine xmlns:a14="http://schemas.microsoft.com/office/drawing/2010/main" xmlns="" w="9525">
                   <a:solidFill>
                     <a:srgbClr val="000000"/>
                   </a:solidFill>
@@ -3289,7 +3289,7 @@
             </a:ln>
             <a:extLst>
               <a:ext uri="{91240B29-F687-4f45-9708-019B960494DF}">
-                <a14:hiddenLine xmlns="" xmlns:a14="http://schemas.microsoft.com/office/drawing/2010/main" w="9525">
+                <a14:hiddenLine xmlns:a14="http://schemas.microsoft.com/office/drawing/2010/main" xmlns="" w="9525">
                   <a:solidFill>
                     <a:srgbClr val="000000"/>
                   </a:solidFill>
@@ -3379,7 +3379,7 @@
             </a:ln>
             <a:extLst>
               <a:ext uri="{91240B29-F687-4f45-9708-019B960494DF}">
-                <a14:hiddenLine xmlns="" xmlns:a14="http://schemas.microsoft.com/office/drawing/2010/main" w="9525">
+                <a14:hiddenLine xmlns:a14="http://schemas.microsoft.com/office/drawing/2010/main" xmlns="" w="9525">
                   <a:solidFill>
                     <a:srgbClr val="000000"/>
                   </a:solidFill>
@@ -3441,7 +3441,7 @@
             </a:ln>
             <a:extLst>
               <a:ext uri="{91240B29-F687-4f45-9708-019B960494DF}">
-                <a14:hiddenLine xmlns="" xmlns:a14="http://schemas.microsoft.com/office/drawing/2010/main" w="9525">
+                <a14:hiddenLine xmlns:a14="http://schemas.microsoft.com/office/drawing/2010/main" xmlns="" w="9525">
                   <a:solidFill>
                     <a:srgbClr val="000000"/>
                   </a:solidFill>
@@ -3531,7 +3531,7 @@
             </a:ln>
             <a:extLst>
               <a:ext uri="{91240B29-F687-4f45-9708-019B960494DF}">
-                <a14:hiddenLine xmlns="" xmlns:a14="http://schemas.microsoft.com/office/drawing/2010/main" w="9525">
+                <a14:hiddenLine xmlns:a14="http://schemas.microsoft.com/office/drawing/2010/main" xmlns="" w="9525">
                   <a:solidFill>
                     <a:srgbClr val="000000"/>
                   </a:solidFill>
@@ -3621,7 +3621,7 @@
             </a:ln>
             <a:extLst>
               <a:ext uri="{91240B29-F687-4f45-9708-019B960494DF}">
-                <a14:hiddenLine xmlns="" xmlns:a14="http://schemas.microsoft.com/office/drawing/2010/main" w="9525">
+                <a14:hiddenLine xmlns:a14="http://schemas.microsoft.com/office/drawing/2010/main" xmlns="" w="9525">
                   <a:solidFill>
                     <a:srgbClr val="000000"/>
                   </a:solidFill>
@@ -3686,7 +3686,7 @@
             </a:ln>
             <a:extLst>
               <a:ext uri="{91240B29-F687-4f45-9708-019B960494DF}">
-                <a14:hiddenLine xmlns="" xmlns:a14="http://schemas.microsoft.com/office/drawing/2010/main" w="9525">
+                <a14:hiddenLine xmlns:a14="http://schemas.microsoft.com/office/drawing/2010/main" xmlns="" w="9525">
                   <a:solidFill>
                     <a:srgbClr val="000000"/>
                   </a:solidFill>
@@ -3748,7 +3748,7 @@
             </a:ln>
             <a:extLst>
               <a:ext uri="{91240B29-F687-4f45-9708-019B960494DF}">
-                <a14:hiddenLine xmlns="" xmlns:a14="http://schemas.microsoft.com/office/drawing/2010/main" w="9525">
+                <a14:hiddenLine xmlns:a14="http://schemas.microsoft.com/office/drawing/2010/main" xmlns="" w="9525">
                   <a:solidFill>
                     <a:srgbClr val="000000"/>
                   </a:solidFill>
@@ -3838,7 +3838,7 @@
             </a:ln>
             <a:extLst>
               <a:ext uri="{91240B29-F687-4f45-9708-019B960494DF}">
-                <a14:hiddenLine xmlns="" xmlns:a14="http://schemas.microsoft.com/office/drawing/2010/main" w="9525">
+                <a14:hiddenLine xmlns:a14="http://schemas.microsoft.com/office/drawing/2010/main" xmlns="" w="9525">
                   <a:solidFill>
                     <a:srgbClr val="000000"/>
                   </a:solidFill>
@@ -3928,7 +3928,7 @@
             </a:ln>
             <a:extLst>
               <a:ext uri="{91240B29-F687-4f45-9708-019B960494DF}">
-                <a14:hiddenLine xmlns="" xmlns:a14="http://schemas.microsoft.com/office/drawing/2010/main" w="9525">
+                <a14:hiddenLine xmlns:a14="http://schemas.microsoft.com/office/drawing/2010/main" xmlns="" w="9525">
                   <a:solidFill>
                     <a:srgbClr val="000000"/>
                   </a:solidFill>
@@ -3990,7 +3990,7 @@
             </a:ln>
             <a:extLst>
               <a:ext uri="{91240B29-F687-4f45-9708-019B960494DF}">
-                <a14:hiddenLine xmlns="" xmlns:a14="http://schemas.microsoft.com/office/drawing/2010/main" w="9525">
+                <a14:hiddenLine xmlns:a14="http://schemas.microsoft.com/office/drawing/2010/main" xmlns="" w="9525">
                   <a:solidFill>
                     <a:srgbClr val="000000"/>
                   </a:solidFill>
@@ -4110,7 +4110,7 @@
             </a:ln>
             <a:extLst>
               <a:ext uri="{91240B29-F687-4f45-9708-019B960494DF}">
-                <a14:hiddenLine xmlns="" xmlns:a14="http://schemas.microsoft.com/office/drawing/2010/main" w="9525">
+                <a14:hiddenLine xmlns:a14="http://schemas.microsoft.com/office/drawing/2010/main" xmlns="" w="9525">
                   <a:solidFill>
                     <a:srgbClr val="000000"/>
                   </a:solidFill>
@@ -4178,7 +4178,7 @@
             </a:ln>
             <a:extLst>
               <a:ext uri="{91240B29-F687-4f45-9708-019B960494DF}">
-                <a14:hiddenLine xmlns="" xmlns:a14="http://schemas.microsoft.com/office/drawing/2010/main" w="9525">
+                <a14:hiddenLine xmlns:a14="http://schemas.microsoft.com/office/drawing/2010/main" xmlns="" w="9525">
                   <a:solidFill>
                     <a:srgbClr val="000000"/>
                   </a:solidFill>
@@ -4268,7 +4268,7 @@
             </a:ln>
             <a:extLst>
               <a:ext uri="{91240B29-F687-4f45-9708-019B960494DF}">
-                <a14:hiddenLine xmlns="" xmlns:a14="http://schemas.microsoft.com/office/drawing/2010/main" w="9525">
+                <a14:hiddenLine xmlns:a14="http://schemas.microsoft.com/office/drawing/2010/main" xmlns="" w="9525">
                   <a:solidFill>
                     <a:srgbClr val="000000"/>
                   </a:solidFill>
@@ -4408,7 +4408,7 @@
           <a:p>
             <a:fld id="{48A87A34-81AB-432B-8DAE-1953F412C126}" type="datetimeFigureOut">
               <a:rPr lang="en-US" dirty="0"/>
-              <a:t>4/2/2022</a:t>
+              <a:t>4/3/2022</a:t>
             </a:fld>
             <a:endParaRPr lang="en-US" dirty="0"/>
           </a:p>
@@ -4670,7 +4670,7 @@
           <a:p>
             <a:fld id="{48A87A34-81AB-432B-8DAE-1953F412C126}" type="datetimeFigureOut">
               <a:rPr lang="en-US" dirty="0"/>
-              <a:t>4/2/2022</a:t>
+              <a:t>4/3/2022</a:t>
             </a:fld>
             <a:endParaRPr lang="en-US" dirty="0"/>
           </a:p>
@@ -4861,7 +4861,7 @@
           <a:p>
             <a:fld id="{48A87A34-81AB-432B-8DAE-1953F412C126}" type="datetimeFigureOut">
               <a:rPr lang="en-US" dirty="0"/>
-              <a:t>4/2/2022</a:t>
+              <a:t>4/3/2022</a:t>
             </a:fld>
             <a:endParaRPr lang="en-US" dirty="0"/>
           </a:p>
@@ -5119,7 +5119,7 @@
           <a:p>
             <a:fld id="{48A87A34-81AB-432B-8DAE-1953F412C126}" type="datetimeFigureOut">
               <a:rPr lang="en-US" dirty="0"/>
-              <a:t>4/2/2022</a:t>
+              <a:t>4/3/2022</a:t>
             </a:fld>
             <a:endParaRPr lang="en-US" dirty="0"/>
           </a:p>
@@ -5548,7 +5548,7 @@
           <a:p>
             <a:fld id="{48A87A34-81AB-432B-8DAE-1953F412C126}" type="datetimeFigureOut">
               <a:rPr lang="en-US" dirty="0"/>
-              <a:t>4/2/2022</a:t>
+              <a:t>4/3/2022</a:t>
             </a:fld>
             <a:endParaRPr lang="en-US" dirty="0"/>
           </a:p>
@@ -6089,7 +6089,7 @@
           <a:p>
             <a:fld id="{48A87A34-81AB-432B-8DAE-1953F412C126}" type="datetimeFigureOut">
               <a:rPr lang="en-US" dirty="0"/>
-              <a:t>4/2/2022</a:t>
+              <a:t>4/3/2022</a:t>
             </a:fld>
             <a:endParaRPr lang="en-US" dirty="0"/>
           </a:p>
@@ -6804,7 +6804,7 @@
           <a:p>
             <a:fld id="{48A87A34-81AB-432B-8DAE-1953F412C126}" type="datetimeFigureOut">
               <a:rPr lang="en-US" dirty="0"/>
-              <a:t>4/2/2022</a:t>
+              <a:t>4/3/2022</a:t>
             </a:fld>
             <a:endParaRPr lang="en-US" dirty="0"/>
           </a:p>
@@ -6969,7 +6969,7 @@
           <a:p>
             <a:fld id="{48A87A34-81AB-432B-8DAE-1953F412C126}" type="datetimeFigureOut">
               <a:rPr lang="en-US" dirty="0"/>
-              <a:t>4/2/2022</a:t>
+              <a:t>4/3/2022</a:t>
             </a:fld>
             <a:endParaRPr lang="en-US" dirty="0"/>
           </a:p>
@@ -7144,7 +7144,7 @@
           <a:p>
             <a:fld id="{48A87A34-81AB-432B-8DAE-1953F412C126}" type="datetimeFigureOut">
               <a:rPr lang="en-US" dirty="0"/>
-              <a:t>4/2/2022</a:t>
+              <a:t>4/3/2022</a:t>
             </a:fld>
             <a:endParaRPr lang="en-US" dirty="0"/>
           </a:p>
@@ -7309,7 +7309,7 @@
           <a:p>
             <a:fld id="{48A87A34-81AB-432B-8DAE-1953F412C126}" type="datetimeFigureOut">
               <a:rPr lang="en-US" dirty="0"/>
-              <a:t>4/2/2022</a:t>
+              <a:t>4/3/2022</a:t>
             </a:fld>
             <a:endParaRPr lang="en-US" dirty="0"/>
           </a:p>
@@ -7554,7 +7554,7 @@
           <a:p>
             <a:fld id="{48A87A34-81AB-432B-8DAE-1953F412C126}" type="datetimeFigureOut">
               <a:rPr lang="en-US" dirty="0"/>
-              <a:t>4/2/2022</a:t>
+              <a:t>4/3/2022</a:t>
             </a:fld>
             <a:endParaRPr lang="en-US" dirty="0"/>
           </a:p>
@@ -7781,7 +7781,7 @@
           <a:p>
             <a:fld id="{48A87A34-81AB-432B-8DAE-1953F412C126}" type="datetimeFigureOut">
               <a:rPr lang="en-US" dirty="0"/>
-              <a:t>4/2/2022</a:t>
+              <a:t>4/3/2022</a:t>
             </a:fld>
             <a:endParaRPr lang="en-US" dirty="0"/>
           </a:p>
@@ -8157,7 +8157,7 @@
           <a:p>
             <a:fld id="{48A87A34-81AB-432B-8DAE-1953F412C126}" type="datetimeFigureOut">
               <a:rPr lang="en-US" dirty="0"/>
-              <a:t>4/2/2022</a:t>
+              <a:t>4/3/2022</a:t>
             </a:fld>
             <a:endParaRPr lang="en-US" dirty="0"/>
           </a:p>
@@ -8270,7 +8270,7 @@
           <a:p>
             <a:fld id="{48A87A34-81AB-432B-8DAE-1953F412C126}" type="datetimeFigureOut">
               <a:rPr lang="en-US" dirty="0"/>
-              <a:t>4/2/2022</a:t>
+              <a:t>4/3/2022</a:t>
             </a:fld>
             <a:endParaRPr lang="en-US" dirty="0"/>
           </a:p>
@@ -8360,7 +8360,7 @@
           <a:p>
             <a:fld id="{48A87A34-81AB-432B-8DAE-1953F412C126}" type="datetimeFigureOut">
               <a:rPr lang="en-US" dirty="0"/>
-              <a:t>4/2/2022</a:t>
+              <a:t>4/3/2022</a:t>
             </a:fld>
             <a:endParaRPr lang="en-US" dirty="0"/>
           </a:p>
@@ -8604,7 +8604,7 @@
           <a:p>
             <a:fld id="{48A87A34-81AB-432B-8DAE-1953F412C126}" type="datetimeFigureOut">
               <a:rPr lang="en-US" dirty="0"/>
-              <a:t>4/2/2022</a:t>
+              <a:t>4/3/2022</a:t>
             </a:fld>
             <a:endParaRPr lang="en-US" dirty="0"/>
           </a:p>
@@ -8879,7 +8879,7 @@
           <a:p>
             <a:fld id="{48A87A34-81AB-432B-8DAE-1953F412C126}" type="datetimeFigureOut">
               <a:rPr lang="en-US" dirty="0"/>
-              <a:t>4/2/2022</a:t>
+              <a:t>4/3/2022</a:t>
             </a:fld>
             <a:endParaRPr lang="en-US" dirty="0"/>
           </a:p>
@@ -8997,7 +8997,7 @@
           <a:noFill/>
           <a:extLst>
             <a:ext uri="{909E8E84-426E-40dd-AFC4-6F175D3DCCD1}">
-              <a14:hiddenFill xmlns="" xmlns:a14="http://schemas.microsoft.com/office/drawing/2010/main">
+              <a14:hiddenFill xmlns:a14="http://schemas.microsoft.com/office/drawing/2010/main" xmlns="">
                 <a:solidFill>
                   <a:srgbClr val="FFFFFF"/>
                 </a:solidFill>
@@ -9071,7 +9071,7 @@
               </a:ln>
               <a:extLst>
                 <a:ext uri="{91240B29-F687-4f45-9708-019B960494DF}">
-                  <a14:hiddenLine xmlns="" xmlns:a14="http://schemas.microsoft.com/office/drawing/2010/main" w="9525">
+                  <a14:hiddenLine xmlns:a14="http://schemas.microsoft.com/office/drawing/2010/main" xmlns="" w="9525">
                     <a:solidFill>
                       <a:srgbClr val="000000"/>
                     </a:solidFill>
@@ -9161,7 +9161,7 @@
               </a:ln>
               <a:extLst>
                 <a:ext uri="{91240B29-F687-4f45-9708-019B960494DF}">
-                  <a14:hiddenLine xmlns="" xmlns:a14="http://schemas.microsoft.com/office/drawing/2010/main" w="9525">
+                  <a14:hiddenLine xmlns:a14="http://schemas.microsoft.com/office/drawing/2010/main" xmlns="" w="9525">
                     <a:solidFill>
                       <a:srgbClr val="000000"/>
                     </a:solidFill>
@@ -9251,7 +9251,7 @@
               </a:ln>
               <a:extLst>
                 <a:ext uri="{91240B29-F687-4f45-9708-019B960494DF}">
-                  <a14:hiddenLine xmlns="" xmlns:a14="http://schemas.microsoft.com/office/drawing/2010/main" w="9525">
+                  <a14:hiddenLine xmlns:a14="http://schemas.microsoft.com/office/drawing/2010/main" xmlns="" w="9525">
                     <a:solidFill>
                       <a:srgbClr val="000000"/>
                     </a:solidFill>
@@ -9313,7 +9313,7 @@
               </a:ln>
               <a:extLst>
                 <a:ext uri="{91240B29-F687-4f45-9708-019B960494DF}">
-                  <a14:hiddenLine xmlns="" xmlns:a14="http://schemas.microsoft.com/office/drawing/2010/main" w="9525">
+                  <a14:hiddenLine xmlns:a14="http://schemas.microsoft.com/office/drawing/2010/main" xmlns="" w="9525">
                     <a:solidFill>
                       <a:srgbClr val="000000"/>
                     </a:solidFill>
@@ -9403,7 +9403,7 @@
               </a:ln>
               <a:extLst>
                 <a:ext uri="{91240B29-F687-4f45-9708-019B960494DF}">
-                  <a14:hiddenLine xmlns="" xmlns:a14="http://schemas.microsoft.com/office/drawing/2010/main" w="9525">
+                  <a14:hiddenLine xmlns:a14="http://schemas.microsoft.com/office/drawing/2010/main" xmlns="" w="9525">
                     <a:solidFill>
                       <a:srgbClr val="000000"/>
                     </a:solidFill>
@@ -9465,7 +9465,7 @@
               </a:ln>
               <a:extLst>
                 <a:ext uri="{91240B29-F687-4f45-9708-019B960494DF}">
-                  <a14:hiddenLine xmlns="" xmlns:a14="http://schemas.microsoft.com/office/drawing/2010/main" w="9525">
+                  <a14:hiddenLine xmlns:a14="http://schemas.microsoft.com/office/drawing/2010/main" xmlns="" w="9525">
                     <a:solidFill>
                       <a:srgbClr val="000000"/>
                     </a:solidFill>
@@ -9527,7 +9527,7 @@
               </a:ln>
               <a:extLst>
                 <a:ext uri="{91240B29-F687-4f45-9708-019B960494DF}">
-                  <a14:hiddenLine xmlns="" xmlns:a14="http://schemas.microsoft.com/office/drawing/2010/main" w="9525">
+                  <a14:hiddenLine xmlns:a14="http://schemas.microsoft.com/office/drawing/2010/main" xmlns="" w="9525">
                     <a:solidFill>
                       <a:srgbClr val="000000"/>
                     </a:solidFill>
@@ -9617,7 +9617,7 @@
               </a:ln>
               <a:extLst>
                 <a:ext uri="{91240B29-F687-4f45-9708-019B960494DF}">
-                  <a14:hiddenLine xmlns="" xmlns:a14="http://schemas.microsoft.com/office/drawing/2010/main" w="9525">
+                  <a14:hiddenLine xmlns:a14="http://schemas.microsoft.com/office/drawing/2010/main" xmlns="" w="9525">
                     <a:solidFill>
                       <a:srgbClr val="000000"/>
                     </a:solidFill>
@@ -9707,7 +9707,7 @@
               </a:ln>
               <a:extLst>
                 <a:ext uri="{91240B29-F687-4f45-9708-019B960494DF}">
-                  <a14:hiddenLine xmlns="" xmlns:a14="http://schemas.microsoft.com/office/drawing/2010/main" w="9525">
+                  <a14:hiddenLine xmlns:a14="http://schemas.microsoft.com/office/drawing/2010/main" xmlns="" w="9525">
                     <a:solidFill>
                       <a:srgbClr val="000000"/>
                     </a:solidFill>
@@ -9769,7 +9769,7 @@
               </a:ln>
               <a:extLst>
                 <a:ext uri="{91240B29-F687-4f45-9708-019B960494DF}">
-                  <a14:hiddenLine xmlns="" xmlns:a14="http://schemas.microsoft.com/office/drawing/2010/main" w="9525">
+                  <a14:hiddenLine xmlns:a14="http://schemas.microsoft.com/office/drawing/2010/main" xmlns="" w="9525">
                     <a:solidFill>
                       <a:srgbClr val="000000"/>
                     </a:solidFill>
@@ -9879,7 +9879,7 @@
               </a:ln>
               <a:extLst>
                 <a:ext uri="{91240B29-F687-4f45-9708-019B960494DF}">
-                  <a14:hiddenLine xmlns="" xmlns:a14="http://schemas.microsoft.com/office/drawing/2010/main" w="9525">
+                  <a14:hiddenLine xmlns:a14="http://schemas.microsoft.com/office/drawing/2010/main" xmlns="" w="9525">
                     <a:solidFill>
                       <a:srgbClr val="000000"/>
                     </a:solidFill>
@@ -9963,7 +9963,7 @@
               </a:ln>
               <a:extLst>
                 <a:ext uri="{91240B29-F687-4f45-9708-019B960494DF}">
-                  <a14:hiddenLine xmlns="" xmlns:a14="http://schemas.microsoft.com/office/drawing/2010/main" w="9525">
+                  <a14:hiddenLine xmlns:a14="http://schemas.microsoft.com/office/drawing/2010/main" xmlns="" w="9525">
                     <a:solidFill>
                       <a:srgbClr val="000000"/>
                     </a:solidFill>
@@ -10025,7 +10025,7 @@
               </a:ln>
               <a:extLst>
                 <a:ext uri="{91240B29-F687-4f45-9708-019B960494DF}">
-                  <a14:hiddenLine xmlns="" xmlns:a14="http://schemas.microsoft.com/office/drawing/2010/main" w="9525">
+                  <a14:hiddenLine xmlns:a14="http://schemas.microsoft.com/office/drawing/2010/main" xmlns="" w="9525">
                     <a:solidFill>
                       <a:srgbClr val="000000"/>
                     </a:solidFill>
@@ -10087,7 +10087,7 @@
               </a:ln>
               <a:extLst>
                 <a:ext uri="{91240B29-F687-4f45-9708-019B960494DF}">
-                  <a14:hiddenLine xmlns="" xmlns:a14="http://schemas.microsoft.com/office/drawing/2010/main" w="9525">
+                  <a14:hiddenLine xmlns:a14="http://schemas.microsoft.com/office/drawing/2010/main" xmlns="" w="9525">
                     <a:solidFill>
                       <a:srgbClr val="000000"/>
                     </a:solidFill>
@@ -10177,7 +10177,7 @@
               </a:ln>
               <a:extLst>
                 <a:ext uri="{91240B29-F687-4f45-9708-019B960494DF}">
-                  <a14:hiddenLine xmlns="" xmlns:a14="http://schemas.microsoft.com/office/drawing/2010/main" w="9525">
+                  <a14:hiddenLine xmlns:a14="http://schemas.microsoft.com/office/drawing/2010/main" xmlns="" w="9525">
                     <a:solidFill>
                       <a:srgbClr val="000000"/>
                     </a:solidFill>
@@ -10211,7 +10211,7 @@
               </a:ln>
               <a:extLst>
                 <a:ext uri="{91240B29-F687-4f45-9708-019B960494DF}">
-                  <a14:hiddenLine xmlns="" xmlns:a14="http://schemas.microsoft.com/office/drawing/2010/main" w="9525">
+                  <a14:hiddenLine xmlns:a14="http://schemas.microsoft.com/office/drawing/2010/main" xmlns="" w="9525">
                     <a:solidFill>
                       <a:srgbClr val="000000"/>
                     </a:solidFill>
@@ -10276,7 +10276,7 @@
               </a:ln>
               <a:extLst>
                 <a:ext uri="{91240B29-F687-4f45-9708-019B960494DF}">
-                  <a14:hiddenLine xmlns="" xmlns:a14="http://schemas.microsoft.com/office/drawing/2010/main" w="9525">
+                  <a14:hiddenLine xmlns:a14="http://schemas.microsoft.com/office/drawing/2010/main" xmlns="" w="9525">
                     <a:solidFill>
                       <a:srgbClr val="000000"/>
                     </a:solidFill>
@@ -10366,7 +10366,7 @@
               </a:ln>
               <a:extLst>
                 <a:ext uri="{91240B29-F687-4f45-9708-019B960494DF}">
-                  <a14:hiddenLine xmlns="" xmlns:a14="http://schemas.microsoft.com/office/drawing/2010/main" w="9525">
+                  <a14:hiddenLine xmlns:a14="http://schemas.microsoft.com/office/drawing/2010/main" xmlns="" w="9525">
                     <a:solidFill>
                       <a:srgbClr val="000000"/>
                     </a:solidFill>
@@ -10428,7 +10428,7 @@
               </a:ln>
               <a:extLst>
                 <a:ext uri="{91240B29-F687-4f45-9708-019B960494DF}">
-                  <a14:hiddenLine xmlns="" xmlns:a14="http://schemas.microsoft.com/office/drawing/2010/main" w="9525">
+                  <a14:hiddenLine xmlns:a14="http://schemas.microsoft.com/office/drawing/2010/main" xmlns="" w="9525">
                     <a:solidFill>
                       <a:srgbClr val="000000"/>
                     </a:solidFill>
@@ -10518,7 +10518,7 @@
               </a:ln>
               <a:extLst>
                 <a:ext uri="{91240B29-F687-4f45-9708-019B960494DF}">
-                  <a14:hiddenLine xmlns="" xmlns:a14="http://schemas.microsoft.com/office/drawing/2010/main" w="9525">
+                  <a14:hiddenLine xmlns:a14="http://schemas.microsoft.com/office/drawing/2010/main" xmlns="" w="9525">
                     <a:solidFill>
                       <a:srgbClr val="000000"/>
                     </a:solidFill>
@@ -10583,7 +10583,7 @@
               </a:ln>
               <a:extLst>
                 <a:ext uri="{91240B29-F687-4f45-9708-019B960494DF}">
-                  <a14:hiddenLine xmlns="" xmlns:a14="http://schemas.microsoft.com/office/drawing/2010/main" w="9525">
+                  <a14:hiddenLine xmlns:a14="http://schemas.microsoft.com/office/drawing/2010/main" xmlns="" w="9525">
                     <a:solidFill>
                       <a:srgbClr val="000000"/>
                     </a:solidFill>
@@ -10645,7 +10645,7 @@
               </a:ln>
               <a:extLst>
                 <a:ext uri="{91240B29-F687-4f45-9708-019B960494DF}">
-                  <a14:hiddenLine xmlns="" xmlns:a14="http://schemas.microsoft.com/office/drawing/2010/main" w="9525">
+                  <a14:hiddenLine xmlns:a14="http://schemas.microsoft.com/office/drawing/2010/main" xmlns="" w="9525">
                     <a:solidFill>
                       <a:srgbClr val="000000"/>
                     </a:solidFill>
@@ -10735,7 +10735,7 @@
               </a:ln>
               <a:extLst>
                 <a:ext uri="{91240B29-F687-4f45-9708-019B960494DF}">
-                  <a14:hiddenLine xmlns="" xmlns:a14="http://schemas.microsoft.com/office/drawing/2010/main" w="9525">
+                  <a14:hiddenLine xmlns:a14="http://schemas.microsoft.com/office/drawing/2010/main" xmlns="" w="9525">
                     <a:solidFill>
                       <a:srgbClr val="000000"/>
                     </a:solidFill>
@@ -10825,7 +10825,7 @@
               </a:ln>
               <a:extLst>
                 <a:ext uri="{91240B29-F687-4f45-9708-019B960494DF}">
-                  <a14:hiddenLine xmlns="" xmlns:a14="http://schemas.microsoft.com/office/drawing/2010/main" w="9525">
+                  <a14:hiddenLine xmlns:a14="http://schemas.microsoft.com/office/drawing/2010/main" xmlns="" w="9525">
                     <a:solidFill>
                       <a:srgbClr val="000000"/>
                     </a:solidFill>
@@ -10890,7 +10890,7 @@
               </a:ln>
               <a:extLst>
                 <a:ext uri="{91240B29-F687-4f45-9708-019B960494DF}">
-                  <a14:hiddenLine xmlns="" xmlns:a14="http://schemas.microsoft.com/office/drawing/2010/main" w="9525">
+                  <a14:hiddenLine xmlns:a14="http://schemas.microsoft.com/office/drawing/2010/main" xmlns="" w="9525">
                     <a:solidFill>
                       <a:srgbClr val="000000"/>
                     </a:solidFill>
@@ -11010,7 +11010,7 @@
               </a:ln>
               <a:extLst>
                 <a:ext uri="{91240B29-F687-4f45-9708-019B960494DF}">
-                  <a14:hiddenLine xmlns="" xmlns:a14="http://schemas.microsoft.com/office/drawing/2010/main" w="9525">
+                  <a14:hiddenLine xmlns:a14="http://schemas.microsoft.com/office/drawing/2010/main" xmlns="" w="9525">
                     <a:solidFill>
                       <a:srgbClr val="000000"/>
                     </a:solidFill>
@@ -11091,7 +11091,7 @@
               </a:ln>
               <a:extLst>
                 <a:ext uri="{91240B29-F687-4f45-9708-019B960494DF}">
-                  <a14:hiddenLine xmlns="" xmlns:a14="http://schemas.microsoft.com/office/drawing/2010/main" w="9525">
+                  <a14:hiddenLine xmlns:a14="http://schemas.microsoft.com/office/drawing/2010/main" xmlns="" w="9525">
                     <a:solidFill>
                       <a:srgbClr val="000000"/>
                     </a:solidFill>
@@ -11206,7 +11206,7 @@
               </a:ln>
               <a:extLst>
                 <a:ext uri="{91240B29-F687-4f45-9708-019B960494DF}">
-                  <a14:hiddenLine xmlns="" xmlns:a14="http://schemas.microsoft.com/office/drawing/2010/main" w="9525">
+                  <a14:hiddenLine xmlns:a14="http://schemas.microsoft.com/office/drawing/2010/main" xmlns="" w="9525">
                     <a:solidFill>
                       <a:srgbClr val="000000"/>
                     </a:solidFill>
@@ -11296,7 +11296,7 @@
               </a:ln>
               <a:extLst>
                 <a:ext uri="{91240B29-F687-4f45-9708-019B960494DF}">
-                  <a14:hiddenLine xmlns="" xmlns:a14="http://schemas.microsoft.com/office/drawing/2010/main" w="9525">
+                  <a14:hiddenLine xmlns:a14="http://schemas.microsoft.com/office/drawing/2010/main" xmlns="" w="9525">
                     <a:solidFill>
                       <a:srgbClr val="000000"/>
                     </a:solidFill>
@@ -11361,7 +11361,7 @@
               </a:ln>
               <a:extLst>
                 <a:ext uri="{91240B29-F687-4f45-9708-019B960494DF}">
-                  <a14:hiddenLine xmlns="" xmlns:a14="http://schemas.microsoft.com/office/drawing/2010/main" w="9525">
+                  <a14:hiddenLine xmlns:a14="http://schemas.microsoft.com/office/drawing/2010/main" xmlns="" w="9525">
                     <a:solidFill>
                       <a:srgbClr val="000000"/>
                     </a:solidFill>
@@ -11451,7 +11451,7 @@
               </a:ln>
               <a:extLst>
                 <a:ext uri="{91240B29-F687-4f45-9708-019B960494DF}">
-                  <a14:hiddenLine xmlns="" xmlns:a14="http://schemas.microsoft.com/office/drawing/2010/main" w="9525">
+                  <a14:hiddenLine xmlns:a14="http://schemas.microsoft.com/office/drawing/2010/main" xmlns="" w="9525">
                     <a:solidFill>
                       <a:srgbClr val="000000"/>
                     </a:solidFill>
@@ -11519,7 +11519,7 @@
               </a:ln>
               <a:extLst>
                 <a:ext uri="{91240B29-F687-4f45-9708-019B960494DF}">
-                  <a14:hiddenLine xmlns="" xmlns:a14="http://schemas.microsoft.com/office/drawing/2010/main" w="9525">
+                  <a14:hiddenLine xmlns:a14="http://schemas.microsoft.com/office/drawing/2010/main" xmlns="" w="9525">
                     <a:solidFill>
                       <a:srgbClr val="000000"/>
                     </a:solidFill>
@@ -11609,7 +11609,7 @@
               </a:ln>
               <a:extLst>
                 <a:ext uri="{91240B29-F687-4f45-9708-019B960494DF}">
-                  <a14:hiddenLine xmlns="" xmlns:a14="http://schemas.microsoft.com/office/drawing/2010/main" w="9525">
+                  <a14:hiddenLine xmlns:a14="http://schemas.microsoft.com/office/drawing/2010/main" xmlns="" w="9525">
                     <a:solidFill>
                       <a:srgbClr val="000000"/>
                     </a:solidFill>
@@ -11677,7 +11677,7 @@
               </a:ln>
               <a:extLst>
                 <a:ext uri="{91240B29-F687-4f45-9708-019B960494DF}">
-                  <a14:hiddenLine xmlns="" xmlns:a14="http://schemas.microsoft.com/office/drawing/2010/main" w="9525">
+                  <a14:hiddenLine xmlns:a14="http://schemas.microsoft.com/office/drawing/2010/main" xmlns="" w="9525">
                     <a:solidFill>
                       <a:srgbClr val="000000"/>
                     </a:solidFill>
@@ -11767,7 +11767,7 @@
               </a:ln>
               <a:extLst>
                 <a:ext uri="{91240B29-F687-4f45-9708-019B960494DF}">
-                  <a14:hiddenLine xmlns="" xmlns:a14="http://schemas.microsoft.com/office/drawing/2010/main" w="9525">
+                  <a14:hiddenLine xmlns:a14="http://schemas.microsoft.com/office/drawing/2010/main" xmlns="" w="9525">
                     <a:solidFill>
                       <a:srgbClr val="000000"/>
                     </a:solidFill>
@@ -11801,7 +11801,7 @@
               </a:ln>
               <a:extLst>
                 <a:ext uri="{91240B29-F687-4f45-9708-019B960494DF}">
-                  <a14:hiddenLine xmlns="" xmlns:a14="http://schemas.microsoft.com/office/drawing/2010/main" w="9525">
+                  <a14:hiddenLine xmlns:a14="http://schemas.microsoft.com/office/drawing/2010/main" xmlns="" w="9525">
                     <a:solidFill>
                       <a:srgbClr val="000000"/>
                     </a:solidFill>
@@ -11942,7 +11942,7 @@
             <a:fld id="{48A87A34-81AB-432B-8DAE-1953F412C126}" type="datetimeFigureOut">
               <a:rPr lang="en-US" dirty="0"/>
               <a:pPr/>
-              <a:t>4/2/2022</a:t>
+              <a:t>4/3/2022</a:t>
             </a:fld>
             <a:endParaRPr lang="en-US" dirty="0"/>
           </a:p>
@@ -13427,8 +13427,8 @@
         </p:nvSpPr>
         <p:spPr>
           <a:xfrm>
-            <a:off x="1519686" y="2978497"/>
-            <a:ext cx="9152626" cy="1384995"/>
+            <a:off x="833886" y="2902296"/>
+            <a:ext cx="6824214" cy="1815882"/>
           </a:xfrm>
           <a:prstGeom prst="rect">
             <a:avLst/>
@@ -13505,6 +13505,36 @@
           </a:p>
         </p:txBody>
       </p:sp>
+      <p:pic>
+        <p:nvPicPr>
+          <p:cNvPr id="5" name="Imagem 4" descr="Jogador de basquete com bola na mão&#10;&#10;Descrição gerada automaticamente com confiança média">
+            <a:extLst>
+              <a:ext uri="{FF2B5EF4-FFF2-40B4-BE49-F238E27FC236}">
+                <a16:creationId xmlns:a16="http://schemas.microsoft.com/office/drawing/2014/main" id="{3705B481-750C-4C4D-95E6-7619CCBCFE56}"/>
+              </a:ext>
+            </a:extLst>
+          </p:cNvPr>
+          <p:cNvPicPr>
+            <a:picLocks noChangeAspect="1"/>
+          </p:cNvPicPr>
+          <p:nvPr/>
+        </p:nvPicPr>
+        <p:blipFill>
+          <a:blip r:embed="rId4"/>
+          <a:stretch>
+            <a:fillRect/>
+          </a:stretch>
+        </p:blipFill>
+        <p:spPr>
+          <a:xfrm>
+            <a:off x="6627962" y="775806"/>
+            <a:ext cx="5821213" cy="5821213"/>
+          </a:xfrm>
+          <a:prstGeom prst="rect">
+            <a:avLst/>
+          </a:prstGeom>
+        </p:spPr>
+      </p:pic>
     </p:spTree>
     <p:extLst>
       <p:ext uri="{BB962C8B-B14F-4D97-AF65-F5344CB8AC3E}">

--- a/Documentação/Our_Last_Goodbye.pptx
+++ b/Documentação/Our_Last_Goodbye.pptx
@@ -4408,7 +4408,7 @@
           <a:p>
             <a:fld id="{48A87A34-81AB-432B-8DAE-1953F412C126}" type="datetimeFigureOut">
               <a:rPr lang="en-US" dirty="0"/>
-              <a:t>4/3/2022</a:t>
+              <a:t>4/4/2022</a:t>
             </a:fld>
             <a:endParaRPr lang="en-US" dirty="0"/>
           </a:p>
@@ -4670,7 +4670,7 @@
           <a:p>
             <a:fld id="{48A87A34-81AB-432B-8DAE-1953F412C126}" type="datetimeFigureOut">
               <a:rPr lang="en-US" dirty="0"/>
-              <a:t>4/3/2022</a:t>
+              <a:t>4/4/2022</a:t>
             </a:fld>
             <a:endParaRPr lang="en-US" dirty="0"/>
           </a:p>
@@ -4861,7 +4861,7 @@
           <a:p>
             <a:fld id="{48A87A34-81AB-432B-8DAE-1953F412C126}" type="datetimeFigureOut">
               <a:rPr lang="en-US" dirty="0"/>
-              <a:t>4/3/2022</a:t>
+              <a:t>4/4/2022</a:t>
             </a:fld>
             <a:endParaRPr lang="en-US" dirty="0"/>
           </a:p>
@@ -5119,7 +5119,7 @@
           <a:p>
             <a:fld id="{48A87A34-81AB-432B-8DAE-1953F412C126}" type="datetimeFigureOut">
               <a:rPr lang="en-US" dirty="0"/>
-              <a:t>4/3/2022</a:t>
+              <a:t>4/4/2022</a:t>
             </a:fld>
             <a:endParaRPr lang="en-US" dirty="0"/>
           </a:p>
@@ -5548,7 +5548,7 @@
           <a:p>
             <a:fld id="{48A87A34-81AB-432B-8DAE-1953F412C126}" type="datetimeFigureOut">
               <a:rPr lang="en-US" dirty="0"/>
-              <a:t>4/3/2022</a:t>
+              <a:t>4/4/2022</a:t>
             </a:fld>
             <a:endParaRPr lang="en-US" dirty="0"/>
           </a:p>
@@ -6089,7 +6089,7 @@
           <a:p>
             <a:fld id="{48A87A34-81AB-432B-8DAE-1953F412C126}" type="datetimeFigureOut">
               <a:rPr lang="en-US" dirty="0"/>
-              <a:t>4/3/2022</a:t>
+              <a:t>4/4/2022</a:t>
             </a:fld>
             <a:endParaRPr lang="en-US" dirty="0"/>
           </a:p>
@@ -6804,7 +6804,7 @@
           <a:p>
             <a:fld id="{48A87A34-81AB-432B-8DAE-1953F412C126}" type="datetimeFigureOut">
               <a:rPr lang="en-US" dirty="0"/>
-              <a:t>4/3/2022</a:t>
+              <a:t>4/4/2022</a:t>
             </a:fld>
             <a:endParaRPr lang="en-US" dirty="0"/>
           </a:p>
@@ -6969,7 +6969,7 @@
           <a:p>
             <a:fld id="{48A87A34-81AB-432B-8DAE-1953F412C126}" type="datetimeFigureOut">
               <a:rPr lang="en-US" dirty="0"/>
-              <a:t>4/3/2022</a:t>
+              <a:t>4/4/2022</a:t>
             </a:fld>
             <a:endParaRPr lang="en-US" dirty="0"/>
           </a:p>
@@ -7144,7 +7144,7 @@
           <a:p>
             <a:fld id="{48A87A34-81AB-432B-8DAE-1953F412C126}" type="datetimeFigureOut">
               <a:rPr lang="en-US" dirty="0"/>
-              <a:t>4/3/2022</a:t>
+              <a:t>4/4/2022</a:t>
             </a:fld>
             <a:endParaRPr lang="en-US" dirty="0"/>
           </a:p>
@@ -7309,7 +7309,7 @@
           <a:p>
             <a:fld id="{48A87A34-81AB-432B-8DAE-1953F412C126}" type="datetimeFigureOut">
               <a:rPr lang="en-US" dirty="0"/>
-              <a:t>4/3/2022</a:t>
+              <a:t>4/4/2022</a:t>
             </a:fld>
             <a:endParaRPr lang="en-US" dirty="0"/>
           </a:p>
@@ -7554,7 +7554,7 @@
           <a:p>
             <a:fld id="{48A87A34-81AB-432B-8DAE-1953F412C126}" type="datetimeFigureOut">
               <a:rPr lang="en-US" dirty="0"/>
-              <a:t>4/3/2022</a:t>
+              <a:t>4/4/2022</a:t>
             </a:fld>
             <a:endParaRPr lang="en-US" dirty="0"/>
           </a:p>
@@ -7781,7 +7781,7 @@
           <a:p>
             <a:fld id="{48A87A34-81AB-432B-8DAE-1953F412C126}" type="datetimeFigureOut">
               <a:rPr lang="en-US" dirty="0"/>
-              <a:t>4/3/2022</a:t>
+              <a:t>4/4/2022</a:t>
             </a:fld>
             <a:endParaRPr lang="en-US" dirty="0"/>
           </a:p>
@@ -8157,7 +8157,7 @@
           <a:p>
             <a:fld id="{48A87A34-81AB-432B-8DAE-1953F412C126}" type="datetimeFigureOut">
               <a:rPr lang="en-US" dirty="0"/>
-              <a:t>4/3/2022</a:t>
+              <a:t>4/4/2022</a:t>
             </a:fld>
             <a:endParaRPr lang="en-US" dirty="0"/>
           </a:p>
@@ -8270,7 +8270,7 @@
           <a:p>
             <a:fld id="{48A87A34-81AB-432B-8DAE-1953F412C126}" type="datetimeFigureOut">
               <a:rPr lang="en-US" dirty="0"/>
-              <a:t>4/3/2022</a:t>
+              <a:t>4/4/2022</a:t>
             </a:fld>
             <a:endParaRPr lang="en-US" dirty="0"/>
           </a:p>
@@ -8360,7 +8360,7 @@
           <a:p>
             <a:fld id="{48A87A34-81AB-432B-8DAE-1953F412C126}" type="datetimeFigureOut">
               <a:rPr lang="en-US" dirty="0"/>
-              <a:t>4/3/2022</a:t>
+              <a:t>4/4/2022</a:t>
             </a:fld>
             <a:endParaRPr lang="en-US" dirty="0"/>
           </a:p>
@@ -8604,7 +8604,7 @@
           <a:p>
             <a:fld id="{48A87A34-81AB-432B-8DAE-1953F412C126}" type="datetimeFigureOut">
               <a:rPr lang="en-US" dirty="0"/>
-              <a:t>4/3/2022</a:t>
+              <a:t>4/4/2022</a:t>
             </a:fld>
             <a:endParaRPr lang="en-US" dirty="0"/>
           </a:p>
@@ -8879,7 +8879,7 @@
           <a:p>
             <a:fld id="{48A87A34-81AB-432B-8DAE-1953F412C126}" type="datetimeFigureOut">
               <a:rPr lang="en-US" dirty="0"/>
-              <a:t>4/3/2022</a:t>
+              <a:t>4/4/2022</a:t>
             </a:fld>
             <a:endParaRPr lang="en-US" dirty="0"/>
           </a:p>
@@ -11942,7 +11942,7 @@
             <a:fld id="{48A87A34-81AB-432B-8DAE-1953F412C126}" type="datetimeFigureOut">
               <a:rPr lang="en-US" dirty="0"/>
               <a:pPr/>
-              <a:t>4/3/2022</a:t>
+              <a:t>4/4/2022</a:t>
             </a:fld>
             <a:endParaRPr lang="en-US" dirty="0"/>
           </a:p>
@@ -13764,7 +13764,7 @@
           <a:p>
             <a:pPr algn="ctr"/>
             <a:r>
-              <a:rPr lang="pt-BR" sz="4800" b="0" i="0" dirty="0">
+              <a:rPr lang="pt-BR" sz="4800" b="0" i="0">
                 <a:effectLst/>
                 <a:latin typeface="Amasis MT Pro Black" panose="020B0604020202020204" pitchFamily="18" charset="0"/>
                 <a:cs typeface="Aharoni" panose="02010803020104030203" pitchFamily="2" charset="-79"/>
@@ -13792,8 +13792,8 @@
         </p:nvSpPr>
         <p:spPr>
           <a:xfrm>
-            <a:off x="1519687" y="2905780"/>
-            <a:ext cx="9152626" cy="1754326"/>
+            <a:off x="729112" y="2458743"/>
+            <a:ext cx="5700263" cy="2862322"/>
           </a:xfrm>
           <a:prstGeom prst="rect">
             <a:avLst/>
@@ -13808,28 +13808,12 @@
           <a:p>
             <a:pPr algn="ctr"/>
             <a:r>
-              <a:rPr lang="pt-BR" sz="3600" b="0" i="0" dirty="0">
+              <a:rPr lang="pt-BR" sz="3600" b="0" i="0">
                 <a:effectLst/>
                 <a:latin typeface="Aharoni" panose="02010803020104030203" pitchFamily="2" charset="-79"/>
                 <a:cs typeface="Aharoni" panose="02010803020104030203" pitchFamily="2" charset="-79"/>
               </a:rPr>
-              <a:t>A personagem anda para a direita e para a esquerda, atira, interage com o cenário (esconder-se </a:t>
-            </a:r>
-            <a:r>
-              <a:rPr lang="pt-BR" sz="3600" b="0" i="0" dirty="0" err="1">
-                <a:effectLst/>
-                <a:latin typeface="Aharoni" panose="02010803020104030203" pitchFamily="2" charset="-79"/>
-                <a:cs typeface="Aharoni" panose="02010803020104030203" pitchFamily="2" charset="-79"/>
-              </a:rPr>
-              <a:t>etc</a:t>
-            </a:r>
-            <a:r>
-              <a:rPr lang="pt-BR" sz="3600" b="0" i="0" dirty="0">
-                <a:effectLst/>
-                <a:latin typeface="Aharoni" panose="02010803020104030203" pitchFamily="2" charset="-79"/>
-                <a:cs typeface="Aharoni" panose="02010803020104030203" pitchFamily="2" charset="-79"/>
-              </a:rPr>
-              <a:t>) e pega objetos.</a:t>
+              <a:t>A personagem anda para a direita e para a esquerda, atira, interage com o cenário (esconder-se etc) e pega objetos.</a:t>
             </a:r>
             <a:endParaRPr lang="pt-BR" sz="3600" dirty="0">
               <a:latin typeface="Aharoni" panose="02010803020104030203" pitchFamily="2" charset="-79"/>
@@ -13838,6 +13822,94 @@
           </a:p>
         </p:txBody>
       </p:sp>
+      <p:pic>
+        <p:nvPicPr>
+          <p:cNvPr id="3" name="Imagem 2" descr="Ícone&#10;&#10;Descrição gerada automaticamente">
+            <a:extLst>
+              <a:ext uri="{FF2B5EF4-FFF2-40B4-BE49-F238E27FC236}">
+                <a16:creationId xmlns:a16="http://schemas.microsoft.com/office/drawing/2014/main" id="{1377CF0E-B9B6-4BCA-894C-9CA2B8BEE7EA}"/>
+              </a:ext>
+            </a:extLst>
+          </p:cNvPr>
+          <p:cNvPicPr>
+            <a:picLocks noChangeAspect="1"/>
+          </p:cNvPicPr>
+          <p:nvPr/>
+        </p:nvPicPr>
+        <p:blipFill>
+          <a:blip r:embed="rId4"/>
+          <a:stretch>
+            <a:fillRect/>
+          </a:stretch>
+        </p:blipFill>
+        <p:spPr>
+          <a:xfrm>
+            <a:off x="6892470" y="1721749"/>
+            <a:ext cx="3599316" cy="3599316"/>
+          </a:xfrm>
+          <a:prstGeom prst="rect">
+            <a:avLst/>
+          </a:prstGeom>
+        </p:spPr>
+      </p:pic>
+      <p:pic>
+        <p:nvPicPr>
+          <p:cNvPr id="11" name="Imagem 10" descr="Texto&#10;&#10;Descrição gerada automaticamente">
+            <a:extLst>
+              <a:ext uri="{FF2B5EF4-FFF2-40B4-BE49-F238E27FC236}">
+                <a16:creationId xmlns:a16="http://schemas.microsoft.com/office/drawing/2014/main" id="{5149A582-D374-45ED-BBEB-D08F1B559AB7}"/>
+              </a:ext>
+            </a:extLst>
+          </p:cNvPr>
+          <p:cNvPicPr>
+            <a:picLocks noChangeAspect="1"/>
+          </p:cNvPicPr>
+          <p:nvPr/>
+        </p:nvPicPr>
+        <p:blipFill rotWithShape="1">
+          <a:blip r:embed="rId5"/>
+          <a:srcRect r="78010"/>
+          <a:stretch/>
+        </p:blipFill>
+        <p:spPr>
+          <a:xfrm>
+            <a:off x="10182853" y="2043112"/>
+            <a:ext cx="1799237" cy="2771775"/>
+          </a:xfrm>
+          <a:prstGeom prst="rect">
+            <a:avLst/>
+          </a:prstGeom>
+        </p:spPr>
+      </p:pic>
+      <p:pic>
+        <p:nvPicPr>
+          <p:cNvPr id="59" name="Imagem 58" descr="Diagrama&#10;&#10;Descrição gerada automaticamente com confiança média">
+            <a:extLst>
+              <a:ext uri="{FF2B5EF4-FFF2-40B4-BE49-F238E27FC236}">
+                <a16:creationId xmlns:a16="http://schemas.microsoft.com/office/drawing/2014/main" id="{D0A4B3D8-A244-42B7-BB21-64D995CCFACE}"/>
+              </a:ext>
+            </a:extLst>
+          </p:cNvPr>
+          <p:cNvPicPr>
+            <a:picLocks noChangeAspect="1"/>
+          </p:cNvPicPr>
+          <p:nvPr/>
+        </p:nvPicPr>
+        <p:blipFill rotWithShape="1">
+          <a:blip r:embed="rId6"/>
+          <a:srcRect l="14932" t="30462" r="15296" b="31171"/>
+          <a:stretch/>
+        </p:blipFill>
+        <p:spPr>
+          <a:xfrm>
+            <a:off x="7395712" y="4814886"/>
+            <a:ext cx="4067176" cy="1491025"/>
+          </a:xfrm>
+          <a:prstGeom prst="rect">
+            <a:avLst/>
+          </a:prstGeom>
+        </p:spPr>
+      </p:pic>
     </p:spTree>
     <p:extLst>
       <p:ext uri="{BB962C8B-B14F-4D97-AF65-F5344CB8AC3E}">
@@ -14129,8 +14201,8 @@
         </p:nvSpPr>
         <p:spPr>
           <a:xfrm>
-            <a:off x="2710132" y="2665560"/>
-            <a:ext cx="6633714" cy="2862322"/>
+            <a:off x="1045233" y="2251492"/>
+            <a:ext cx="5338313" cy="3416320"/>
           </a:xfrm>
           <a:prstGeom prst="rect">
             <a:avLst/>
@@ -14168,7 +14240,7 @@
                 <a:latin typeface="Aharoni" panose="02010803020104030203" pitchFamily="2" charset="-79"/>
                 <a:cs typeface="Aharoni" panose="02010803020104030203" pitchFamily="2" charset="-79"/>
               </a:rPr>
-              <a:t> guerra e as reflexões e traumas que ela pode deixar nas pessoas. </a:t>
+              <a:t> guerra, as reflexões e os traumas que ela pode deixar nas pessoas. </a:t>
             </a:r>
             <a:endParaRPr lang="pt-BR" sz="3600" dirty="0">
               <a:latin typeface="Aharoni" panose="02010803020104030203" pitchFamily="2" charset="-79"/>
@@ -14177,6 +14249,51 @@
           </a:p>
         </p:txBody>
       </p:sp>
+      <p:pic>
+        <p:nvPicPr>
+          <p:cNvPr id="1026" name="Picture 2" descr="Trauma Icon Images – Browse 137,377 Stock Photos, Vectors, and Video |  Adobe Stock">
+            <a:extLst>
+              <a:ext uri="{FF2B5EF4-FFF2-40B4-BE49-F238E27FC236}">
+                <a16:creationId xmlns:a16="http://schemas.microsoft.com/office/drawing/2014/main" id="{D50605B5-740A-4A12-8FEA-298651FBCFDC}"/>
+              </a:ext>
+            </a:extLst>
+          </p:cNvPr>
+          <p:cNvPicPr>
+            <a:picLocks noChangeAspect="1" noChangeArrowheads="1"/>
+          </p:cNvPicPr>
+          <p:nvPr/>
+        </p:nvPicPr>
+        <p:blipFill rotWithShape="1">
+          <a:blip r:embed="rId4">
+            <a:extLst>
+              <a:ext uri="{28A0092B-C50C-407E-A947-70E740481C1C}">
+                <a14:useLocalDpi xmlns:a14="http://schemas.microsoft.com/office/drawing/2010/main" val="0"/>
+              </a:ext>
+            </a:extLst>
+          </a:blip>
+          <a:srcRect l="10083" t="6855" r="9413" b="9875"/>
+          <a:stretch/>
+        </p:blipFill>
+        <p:spPr bwMode="auto">
+          <a:xfrm>
+            <a:off x="7240169" y="1878811"/>
+            <a:ext cx="3708000" cy="3835402"/>
+          </a:xfrm>
+          <a:prstGeom prst="rect">
+            <a:avLst/>
+          </a:prstGeom>
+          <a:noFill/>
+          <a:extLst>
+            <a:ext uri="{909E8E84-426E-40DD-AFC4-6F175D3DCCD1}">
+              <a14:hiddenFill xmlns:a14="http://schemas.microsoft.com/office/drawing/2010/main">
+                <a:solidFill>
+                  <a:srgbClr val="FFFFFF"/>
+                </a:solidFill>
+              </a14:hiddenFill>
+            </a:ext>
+          </a:extLst>
+        </p:spPr>
+      </p:pic>
     </p:spTree>
     <p:extLst>
       <p:ext uri="{BB962C8B-B14F-4D97-AF65-F5344CB8AC3E}">
